--- a/articles/assets/pptx/chart_settings_01.pptx
+++ b/articles/assets/pptx/chart_settings_01.pptx
@@ -113,7 +113,7 @@
 </p:presentation>
 </file>
 
-<file path=ppt/charts/chartbd53b9a4f2a.xml><?xml version="1.0" encoding="utf-8"?>
+<file path=ppt/charts/chart184524d0a10e.xml><?xml version="1.0" encoding="utf-8"?>
 <c:chartSpace xmlns:c="http://schemas.openxmlformats.org/drawingml/2006/chart" xmlns:a="http://schemas.openxmlformats.org/drawingml/2006/main" xmlns:r="http://schemas.openxmlformats.org/officeDocument/2006/relationships">
   <c:date1904 val="0"/>
   <c:lang val="fr-FR"/>
@@ -131,7 +131,7 @@
     <c:plotArea xmlns:c="http://schemas.openxmlformats.org/drawingml/2006/chart" xmlns:a="http://schemas.openxmlformats.org/drawingml/2006/main" xmlns:r="http://schemas.openxmlformats.org/officeDocument/2006/relationships">
       <c:layout/>
       <c:scatterChart>
-        <c:scatterStyle val="lineMarker"/>
+        <c:scatterStyle val="marker"/>
         <c:varyColors val="0"/>
         <c:ser>
           <c:idx val="0"/>
@@ -147,7 +147,11 @@
               </c:strCache>
             </c:strRef>
           </c:tx>
-          <c:spPr/>
+          <c:spPr>
+            <a:ln>
+              <a:noFill/>
+            </a:ln>
+          </c:spPr>
           <c:marker>
             <c:symbol val="circle"/>
             <c:size val="12"/>
@@ -166,6 +170,34 @@
               </a:ln>
             </c:spPr>
           </c:marker>
+          <c:dLbls>
+            <c:numFmt formatCode="General" sourceLinked="0"/>
+            <c:txPr>
+              <a:bodyPr/>
+              <a:lstStyle/>
+              <a:p>
+                <a:pPr>
+                  <a:defRPr>
+                    <a:solidFill>
+                      <a:srgbClr val="000000">
+                        <a:alpha val="100000"/>
+                      </a:srgbClr>
+                    </a:solidFill>
+                    <a:latin typeface="Arial"/>
+                    <a:cs typeface="Arial"/>
+                  </a:defRPr>
+                </a:pPr>
+              </a:p>
+            </c:txPr>
+            <c:dLblPos val="ctr"/>
+            <c:showLegendKey val="0"/>
+            <c:showVal val="0"/>
+            <c:showCatName val="0"/>
+            <c:showSerName val="0"/>
+            <c:showPercent val="0"/>
+            <c:showBubbleSize val="0"/>
+            <c:separator val=", "/>
+          </c:dLbls>
           <c:xVal>
             <c:numRef>
               <c:f>sheet1!$A$2:$A$33</c:f>
@@ -410,14 +442,6 @@
             </a:ln>
           </c:spPr>
         </c:majorGridlines>
-        <c:minorGridlines>
-          <c:spPr>
-            <a:ln algn="ctr" w="0">
-              <a:noFill/>
-              <a:prstDash val="solid"/>
-            </a:ln>
-          </c:spPr>
-        </c:minorGridlines>
         <c:title>
           <c:tx>
             <c:rich>
@@ -500,14 +524,6 @@
             </a:ln>
           </c:spPr>
         </c:majorGridlines>
-        <c:minorGridlines>
-          <c:spPr>
-            <a:ln algn="ctr" w="0">
-              <a:noFill/>
-              <a:prstDash val="solid"/>
-            </a:ln>
-          </c:spPr>
-        </c:minorGridlines>
         <c:title>
           <c:tx>
             <c:rich>
@@ -612,7 +628,7 @@
 </c:chartSpace>
 </file>
 
-<file path=ppt/charts/chartbd550b85936.xml><?xml version="1.0" encoding="utf-8"?>
+<file path=ppt/charts/chart184539eeab1a.xml><?xml version="1.0" encoding="utf-8"?>
 <c:chartSpace xmlns:c="http://schemas.openxmlformats.org/drawingml/2006/chart" xmlns:a="http://schemas.openxmlformats.org/drawingml/2006/main" xmlns:r="http://schemas.openxmlformats.org/officeDocument/2006/relationships">
   <c:date1904 val="0"/>
   <c:lang val="fr-FR"/>
@@ -629,8 +645,9 @@
     <c:autoTitleDeleted val="0"/>
     <c:plotArea xmlns:c="http://schemas.openxmlformats.org/drawingml/2006/chart" xmlns:a="http://schemas.openxmlformats.org/drawingml/2006/main" xmlns:r="http://schemas.openxmlformats.org/officeDocument/2006/relationships">
       <c:layout/>
-      <c:scatterChart>
-        <c:scatterStyle val="marker"/>
+      <c:barChart>
+        <c:barDir val="col"/>
+        <c:grouping val="clustered"/>
         <c:varyColors val="0"/>
         <c:ser>
           <c:idx val="0"/>
@@ -641,242 +658,326 @@
               <c:strCache>
                 <c:ptCount val="1"/>
                 <c:pt idx="0">
-                  <c:v>drat</c:v>
+                  <c:v>serie1</c:v>
                 </c:pt>
               </c:strCache>
             </c:strRef>
           </c:tx>
           <c:spPr>
+            <a:solidFill>
+              <a:srgbClr val="4477AA">
+                <a:alpha val="100000"/>
+              </a:srgbClr>
+            </a:solidFill>
             <a:ln>
-              <a:noFill/>
-            </a:ln>
-          </c:spPr>
-          <c:marker>
-            <c:symbol val="circle"/>
-            <c:size val="12"/>
-            <c:spPr>
               <a:solidFill>
                 <a:srgbClr val="4477AA">
                   <a:alpha val="100000"/>
                 </a:srgbClr>
               </a:solidFill>
-              <a:ln>
-                <a:solidFill>
-                  <a:srgbClr val="4477AA">
-                    <a:alpha val="100000"/>
-                  </a:srgbClr>
-                </a:solidFill>
-              </a:ln>
-            </c:spPr>
-          </c:marker>
-          <c:xVal>
+            </a:ln>
+          </c:spPr>
+          <c:invertIfNegative val="0"/>
+          <c:dLbls>
+            <c:numFmt formatCode="General" sourceLinked="0"/>
+            <c:txPr>
+              <a:bodyPr/>
+              <a:lstStyle/>
+              <a:p>
+                <a:pPr>
+                  <a:defRPr>
+                    <a:solidFill>
+                      <a:srgbClr val="000000">
+                        <a:alpha val="100000"/>
+                      </a:srgbClr>
+                    </a:solidFill>
+                    <a:latin typeface="Arial"/>
+                    <a:cs typeface="Arial"/>
+                  </a:defRPr>
+                </a:pPr>
+              </a:p>
+            </c:txPr>
+            <c:dLblPos val="ctr"/>
+            <c:showLegendKey val="0"/>
+            <c:showVal val="0"/>
+            <c:showCatName val="0"/>
+            <c:showSerName val="0"/>
+            <c:showPercent val="0"/>
+            <c:showBubbleSize val="0"/>
+            <c:separator val=", "/>
+          </c:dLbls>
+          <c:cat>
+            <c:strRef>
+              <c:f>sheet1!$A$2:$A$7</c:f>
+              <c:strCache>
+                <c:ptCount val="6"/>
+                <c:pt idx="0">
+                  <c:v>Android</c:v>
+                </c:pt>
+                <c:pt idx="1">
+                  <c:v>Chrome</c:v>
+                </c:pt>
+                <c:pt idx="2">
+                  <c:v>Firefox</c:v>
+                </c:pt>
+                <c:pt idx="3">
+                  <c:v>IE</c:v>
+                </c:pt>
+                <c:pt idx="4">
+                  <c:v>Opera</c:v>
+                </c:pt>
+                <c:pt idx="5">
+                  <c:v>Safari</c:v>
+                </c:pt>
+              </c:strCache>
+            </c:strRef>
+          </c:cat>
+          <c:val>
             <c:numRef>
-              <c:f>sheet1!$A$2:$A$33</c:f>
+              <c:f>sheet1!$B$2:$B$7</c:f>
               <c:numCache>
-                <c:ptCount val="32"/>
+                <c:ptCount val="6"/>
                 <c:pt idx="0">
-                  <c:v>71.1</c:v>
+                  <c:v>6</c:v>
                 </c:pt>
                 <c:pt idx="1">
-                  <c:v>75.7</c:v>
+                  <c:v>1</c:v>
                 </c:pt>
                 <c:pt idx="2">
-                  <c:v>78.7</c:v>
+                  <c:v>3</c:v>
                 </c:pt>
                 <c:pt idx="3">
-                  <c:v>79</c:v>
+                  <c:v>2</c:v>
                 </c:pt>
                 <c:pt idx="4">
-                  <c:v>95.1</c:v>
+                  <c:v>5</c:v>
                 </c:pt>
                 <c:pt idx="5">
-                  <c:v>108</c:v>
-                </c:pt>
-                <c:pt idx="6">
-                  <c:v>120.1</c:v>
-                </c:pt>
-                <c:pt idx="7">
-                  <c:v>120.3</c:v>
-                </c:pt>
-                <c:pt idx="8">
-                  <c:v>121</c:v>
-                </c:pt>
-                <c:pt idx="9">
-                  <c:v>140.8</c:v>
-                </c:pt>
-                <c:pt idx="10">
-                  <c:v>145</c:v>
-                </c:pt>
-                <c:pt idx="11">
-                  <c:v>146.7</c:v>
-                </c:pt>
-                <c:pt idx="12">
-                  <c:v>160</c:v>
-                </c:pt>
-                <c:pt idx="13">
-                  <c:v>160</c:v>
-                </c:pt>
-                <c:pt idx="14">
-                  <c:v>167.6</c:v>
-                </c:pt>
-                <c:pt idx="15">
-                  <c:v>167.6</c:v>
-                </c:pt>
-                <c:pt idx="16">
-                  <c:v>225</c:v>
-                </c:pt>
-                <c:pt idx="17">
-                  <c:v>258</c:v>
-                </c:pt>
-                <c:pt idx="18">
-                  <c:v>275.8</c:v>
-                </c:pt>
-                <c:pt idx="19">
-                  <c:v>275.8</c:v>
-                </c:pt>
-                <c:pt idx="20">
-                  <c:v>275.8</c:v>
-                </c:pt>
-                <c:pt idx="21">
-                  <c:v>301</c:v>
-                </c:pt>
-                <c:pt idx="22">
-                  <c:v>304</c:v>
-                </c:pt>
-                <c:pt idx="23">
-                  <c:v>318</c:v>
-                </c:pt>
-                <c:pt idx="24">
-                  <c:v>350</c:v>
-                </c:pt>
-                <c:pt idx="25">
-                  <c:v>351</c:v>
-                </c:pt>
-                <c:pt idx="26">
-                  <c:v>360</c:v>
-                </c:pt>
-                <c:pt idx="27">
-                  <c:v>360</c:v>
-                </c:pt>
-                <c:pt idx="28">
-                  <c:v>400</c:v>
-                </c:pt>
-                <c:pt idx="29">
-                  <c:v>440</c:v>
-                </c:pt>
-                <c:pt idx="30">
-                  <c:v>460</c:v>
-                </c:pt>
-                <c:pt idx="31">
-                  <c:v>472</c:v>
+                  <c:v>4</c:v>
                 </c:pt>
               </c:numCache>
             </c:numRef>
-          </c:xVal>
-          <c:yVal>
+          </c:val>
+        </c:ser>
+        <c:ser>
+          <c:idx val="1"/>
+          <c:order val="1"/>
+          <c:tx>
+            <c:strRef>
+              <c:f>sheet1!$C$1</c:f>
+              <c:strCache>
+                <c:ptCount val="1"/>
+                <c:pt idx="0">
+                  <c:v>serie2</c:v>
+                </c:pt>
+              </c:strCache>
+            </c:strRef>
+          </c:tx>
+          <c:spPr>
+            <a:solidFill>
+              <a:srgbClr val="DDCC77">
+                <a:alpha val="100000"/>
+              </a:srgbClr>
+            </a:solidFill>
+            <a:ln>
+              <a:solidFill>
+                <a:srgbClr val="DDCC77">
+                  <a:alpha val="100000"/>
+                </a:srgbClr>
+              </a:solidFill>
+            </a:ln>
+          </c:spPr>
+          <c:invertIfNegative val="0"/>
+          <c:dLbls>
+            <c:numFmt formatCode="General" sourceLinked="0"/>
+            <c:txPr>
+              <a:bodyPr/>
+              <a:lstStyle/>
+              <a:p>
+                <a:pPr>
+                  <a:defRPr>
+                    <a:solidFill>
+                      <a:srgbClr val="000000">
+                        <a:alpha val="100000"/>
+                      </a:srgbClr>
+                    </a:solidFill>
+                    <a:latin typeface="Arial"/>
+                    <a:cs typeface="Arial"/>
+                  </a:defRPr>
+                </a:pPr>
+              </a:p>
+            </c:txPr>
+            <c:dLblPos val="ctr"/>
+            <c:showLegendKey val="0"/>
+            <c:showVal val="0"/>
+            <c:showCatName val="0"/>
+            <c:showSerName val="0"/>
+            <c:showPercent val="0"/>
+            <c:showBubbleSize val="0"/>
+            <c:separator val=", "/>
+          </c:dLbls>
+          <c:cat>
+            <c:strRef>
+              <c:f>sheet1!$A$2:$A$7</c:f>
+              <c:strCache>
+                <c:ptCount val="6"/>
+                <c:pt idx="0">
+                  <c:v>Android</c:v>
+                </c:pt>
+                <c:pt idx="1">
+                  <c:v>Chrome</c:v>
+                </c:pt>
+                <c:pt idx="2">
+                  <c:v>Firefox</c:v>
+                </c:pt>
+                <c:pt idx="3">
+                  <c:v>IE</c:v>
+                </c:pt>
+                <c:pt idx="4">
+                  <c:v>Opera</c:v>
+                </c:pt>
+                <c:pt idx="5">
+                  <c:v>Safari</c:v>
+                </c:pt>
+              </c:strCache>
+            </c:strRef>
+          </c:cat>
+          <c:val>
             <c:numRef>
-              <c:f>sheet1!$B$2:$B$33</c:f>
+              <c:f>sheet1!$C$2:$C$7</c:f>
               <c:numCache>
-                <c:ptCount val="32"/>
+                <c:ptCount val="6"/>
                 <c:pt idx="0">
-                  <c:v>4.22</c:v>
+                  <c:v>12</c:v>
                 </c:pt>
                 <c:pt idx="1">
-                  <c:v>4.93</c:v>
+                  <c:v>7</c:v>
                 </c:pt>
                 <c:pt idx="2">
-                  <c:v>4.08</c:v>
+                  <c:v>9</c:v>
                 </c:pt>
                 <c:pt idx="3">
-                  <c:v>4.08</c:v>
+                  <c:v>8</c:v>
                 </c:pt>
                 <c:pt idx="4">
-                  <c:v>3.77</c:v>
+                  <c:v>11</c:v>
                 </c:pt>
                 <c:pt idx="5">
-                  <c:v>3.85</c:v>
-                </c:pt>
-                <c:pt idx="6">
-                  <c:v>3.7</c:v>
-                </c:pt>
-                <c:pt idx="7">
-                  <c:v>4.43</c:v>
-                </c:pt>
-                <c:pt idx="8">
-                  <c:v>4.11</c:v>
-                </c:pt>
-                <c:pt idx="9">
-                  <c:v>3.92</c:v>
-                </c:pt>
-                <c:pt idx="10">
-                  <c:v>3.62</c:v>
-                </c:pt>
-                <c:pt idx="11">
-                  <c:v>3.69</c:v>
-                </c:pt>
-                <c:pt idx="12">
-                  <c:v>3.9</c:v>
-                </c:pt>
-                <c:pt idx="13">
-                  <c:v>3.9</c:v>
-                </c:pt>
-                <c:pt idx="14">
-                  <c:v>3.92</c:v>
-                </c:pt>
-                <c:pt idx="15">
-                  <c:v>3.92</c:v>
-                </c:pt>
-                <c:pt idx="16">
-                  <c:v>2.76</c:v>
-                </c:pt>
-                <c:pt idx="17">
-                  <c:v>3.08</c:v>
-                </c:pt>
-                <c:pt idx="18">
-                  <c:v>3.07</c:v>
-                </c:pt>
-                <c:pt idx="19">
-                  <c:v>3.07</c:v>
-                </c:pt>
-                <c:pt idx="20">
-                  <c:v>3.07</c:v>
-                </c:pt>
-                <c:pt idx="21">
-                  <c:v>3.54</c:v>
-                </c:pt>
-                <c:pt idx="22">
-                  <c:v>3.15</c:v>
-                </c:pt>
-                <c:pt idx="23">
-                  <c:v>2.76</c:v>
-                </c:pt>
-                <c:pt idx="24">
-                  <c:v>3.73</c:v>
-                </c:pt>
-                <c:pt idx="25">
-                  <c:v>4.22</c:v>
-                </c:pt>
-                <c:pt idx="26">
-                  <c:v>3.15</c:v>
-                </c:pt>
-                <c:pt idx="27">
-                  <c:v>3.21</c:v>
-                </c:pt>
-                <c:pt idx="28">
-                  <c:v>3.08</c:v>
-                </c:pt>
-                <c:pt idx="29">
-                  <c:v>3.23</c:v>
-                </c:pt>
-                <c:pt idx="30">
-                  <c:v>3</c:v>
-                </c:pt>
-                <c:pt idx="31">
-                  <c:v>2.93</c:v>
+                  <c:v>10</c:v>
                 </c:pt>
               </c:numCache>
             </c:numRef>
-          </c:yVal>
+          </c:val>
+        </c:ser>
+        <c:ser>
+          <c:idx val="2"/>
+          <c:order val="2"/>
+          <c:tx>
+            <c:strRef>
+              <c:f>sheet1!$D$1</c:f>
+              <c:strCache>
+                <c:ptCount val="1"/>
+                <c:pt idx="0">
+                  <c:v>serie3</c:v>
+                </c:pt>
+              </c:strCache>
+            </c:strRef>
+          </c:tx>
+          <c:spPr>
+            <a:solidFill>
+              <a:srgbClr val="CC6677">
+                <a:alpha val="100000"/>
+              </a:srgbClr>
+            </a:solidFill>
+            <a:ln>
+              <a:solidFill>
+                <a:srgbClr val="CC6677">
+                  <a:alpha val="100000"/>
+                </a:srgbClr>
+              </a:solidFill>
+            </a:ln>
+          </c:spPr>
+          <c:invertIfNegative val="0"/>
+          <c:dLbls>
+            <c:numFmt formatCode="General" sourceLinked="0"/>
+            <c:txPr>
+              <a:bodyPr/>
+              <a:lstStyle/>
+              <a:p>
+                <a:pPr>
+                  <a:defRPr>
+                    <a:solidFill>
+                      <a:srgbClr val="000000">
+                        <a:alpha val="100000"/>
+                      </a:srgbClr>
+                    </a:solidFill>
+                    <a:latin typeface="Arial"/>
+                    <a:cs typeface="Arial"/>
+                  </a:defRPr>
+                </a:pPr>
+              </a:p>
+            </c:txPr>
+            <c:dLblPos val="ctr"/>
+            <c:showLegendKey val="0"/>
+            <c:showVal val="0"/>
+            <c:showCatName val="0"/>
+            <c:showSerName val="0"/>
+            <c:showPercent val="0"/>
+            <c:showBubbleSize val="0"/>
+            <c:separator val=", "/>
+          </c:dLbls>
+          <c:cat>
+            <c:strRef>
+              <c:f>sheet1!$A$2:$A$7</c:f>
+              <c:strCache>
+                <c:ptCount val="6"/>
+                <c:pt idx="0">
+                  <c:v>Android</c:v>
+                </c:pt>
+                <c:pt idx="1">
+                  <c:v>Chrome</c:v>
+                </c:pt>
+                <c:pt idx="2">
+                  <c:v>Firefox</c:v>
+                </c:pt>
+                <c:pt idx="3">
+                  <c:v>IE</c:v>
+                </c:pt>
+                <c:pt idx="4">
+                  <c:v>Opera</c:v>
+                </c:pt>
+                <c:pt idx="5">
+                  <c:v>Safari</c:v>
+                </c:pt>
+              </c:strCache>
+            </c:strRef>
+          </c:cat>
+          <c:val>
+            <c:numRef>
+              <c:f>sheet1!$D$2:$D$7</c:f>
+              <c:numCache>
+                <c:ptCount val="6"/>
+                <c:pt idx="0">
+                  <c:v>18</c:v>
+                </c:pt>
+                <c:pt idx="1">
+                  <c:v>13</c:v>
+                </c:pt>
+                <c:pt idx="2">
+                  <c:v>15</c:v>
+                </c:pt>
+                <c:pt idx="3">
+                  <c:v>14</c:v>
+                </c:pt>
+                <c:pt idx="4">
+                  <c:v>17</c:v>
+                </c:pt>
+                <c:pt idx="5">
+                  <c:v>16</c:v>
+                </c:pt>
+              </c:numCache>
+            </c:numRef>
+          </c:val>
         </c:ser>
         <c:dLbls>
           <c:numFmt formatCode="General" sourceLinked="0"/>
@@ -889,18 +990,18 @@
           <c:showBubbleSize val="0"/>
           <c:separator val=", "/>
         </c:dLbls>
+        <c:gapWidth val="400"/>
+        <c:overlap val="-100"/>
         <c:axId val="64451712"/>
         <c:axId val="64453248"/>
-      </c:scatterChart>
-      <c:valAx>
+      </c:barChart>
+      <c:catAx>
         <c:axId val="64451712"/>
         <c:scaling>
           <c:orientation val="minMax"/>
-          <c:max val="500.00"/>
-          <c:min val="0.00"/>
         </c:scaling>
         <c:delete val="0"/>
-        <c:axPos val="l"/>
+        <c:axPos val="b"/>
         <c:majorGridlines>
           <c:spPr>
             <a:ln algn="ctr" w="12700">
@@ -913,14 +1014,6 @@
             </a:ln>
           </c:spPr>
         </c:majorGridlines>
-        <c:minorGridlines>
-          <c:spPr>
-            <a:ln algn="ctr" w="0">
-              <a:noFill/>
-              <a:prstDash val="solid"/>
-            </a:ln>
-          </c:spPr>
-        </c:minorGridlines>
         <c:title>
           <c:tx>
             <c:rich>
@@ -940,7 +1033,7 @@
                     <a:latin typeface="Arial"/>
                     <a:cs typeface="Arial"/>
                   </a:rPr>
-                  <a:t>disp</a:t>
+                  <a:t>browser</a:t>
                 </a:r>
               </a:p>
             </c:rich>
@@ -981,13 +1074,11 @@
         <c:numFmt formatCode="General" sourceLinked="0"/>
         <c:crossAx val="64453248"/>
         <c:crosses val="autoZero"/>
-      </c:valAx>
+      </c:catAx>
       <c:valAx>
         <c:axId val="64453248"/>
         <c:scaling>
           <c:orientation val="minMax"/>
-          <c:max val="5.00"/>
-          <c:min val="2.50"/>
         </c:scaling>
         <c:delete val="0"/>
         <c:axPos val="l"/>
@@ -1003,14 +1094,6 @@
             </a:ln>
           </c:spPr>
         </c:majorGridlines>
-        <c:minorGridlines>
-          <c:spPr>
-            <a:ln algn="ctr" w="0">
-              <a:noFill/>
-              <a:prstDash val="solid"/>
-            </a:ln>
-          </c:spPr>
-        </c:minorGridlines>
         <c:title>
           <c:tx>
             <c:rich>
@@ -1030,7 +1113,7 @@
                     <a:latin typeface="Arial"/>
                     <a:cs typeface="Arial"/>
                   </a:rPr>
-                  <a:t>drat</a:t>
+                  <a:t>value</a:t>
                 </a:r>
               </a:p>
             </c:rich>
@@ -1115,7 +1198,7 @@
 </c:chartSpace>
 </file>
 
-<file path=ppt/charts/chartbd565d66342.xml><?xml version="1.0" encoding="utf-8"?>
+<file path=ppt/charts/chart1845c62e506.xml><?xml version="1.0" encoding="utf-8"?>
 <c:chartSpace xmlns:c="http://schemas.openxmlformats.org/drawingml/2006/chart" xmlns:a="http://schemas.openxmlformats.org/drawingml/2006/main" xmlns:r="http://schemas.openxmlformats.org/officeDocument/2006/relationships">
   <c:date1904 val="0"/>
   <c:lang val="fr-FR"/>
@@ -1134,7 +1217,7 @@
       <c:layout/>
       <c:barChart>
         <c:barDir val="col"/>
-        <c:grouping val="clustered"/>
+        <c:grouping val="stacked"/>
         <c:varyColors val="0"/>
         <c:ser>
           <c:idx val="0"/>
@@ -1165,6 +1248,34 @@
             </a:ln>
           </c:spPr>
           <c:invertIfNegative val="0"/>
+          <c:dLbls>
+            <c:numFmt formatCode="General" sourceLinked="0"/>
+            <c:txPr>
+              <a:bodyPr/>
+              <a:lstStyle/>
+              <a:p>
+                <a:pPr>
+                  <a:defRPr>
+                    <a:solidFill>
+                      <a:srgbClr val="000000">
+                        <a:alpha val="100000"/>
+                      </a:srgbClr>
+                    </a:solidFill>
+                    <a:latin typeface="Arial"/>
+                    <a:cs typeface="Arial"/>
+                  </a:defRPr>
+                </a:pPr>
+              </a:p>
+            </c:txPr>
+            <c:dLblPos val="ctr"/>
+            <c:showLegendKey val="0"/>
+            <c:showVal val="0"/>
+            <c:showCatName val="0"/>
+            <c:showSerName val="0"/>
+            <c:showPercent val="0"/>
+            <c:showBubbleSize val="0"/>
+            <c:separator val=", "/>
+          </c:dLbls>
           <c:cat>
             <c:strRef>
               <c:f>sheet1!$A$2:$A$7</c:f>
@@ -1247,6 +1358,34 @@
             </a:ln>
           </c:spPr>
           <c:invertIfNegative val="0"/>
+          <c:dLbls>
+            <c:numFmt formatCode="General" sourceLinked="0"/>
+            <c:txPr>
+              <a:bodyPr/>
+              <a:lstStyle/>
+              <a:p>
+                <a:pPr>
+                  <a:defRPr>
+                    <a:solidFill>
+                      <a:srgbClr val="000000">
+                        <a:alpha val="100000"/>
+                      </a:srgbClr>
+                    </a:solidFill>
+                    <a:latin typeface="Arial"/>
+                    <a:cs typeface="Arial"/>
+                  </a:defRPr>
+                </a:pPr>
+              </a:p>
+            </c:txPr>
+            <c:dLblPos val="ctr"/>
+            <c:showLegendKey val="0"/>
+            <c:showVal val="0"/>
+            <c:showCatName val="0"/>
+            <c:showSerName val="0"/>
+            <c:showPercent val="0"/>
+            <c:showBubbleSize val="0"/>
+            <c:separator val=", "/>
+          </c:dLbls>
           <c:cat>
             <c:strRef>
               <c:f>sheet1!$A$2:$A$7</c:f>
@@ -1329,6 +1468,34 @@
             </a:ln>
           </c:spPr>
           <c:invertIfNegative val="0"/>
+          <c:dLbls>
+            <c:numFmt formatCode="General" sourceLinked="0"/>
+            <c:txPr>
+              <a:bodyPr/>
+              <a:lstStyle/>
+              <a:p>
+                <a:pPr>
+                  <a:defRPr>
+                    <a:solidFill>
+                      <a:srgbClr val="000000">
+                        <a:alpha val="100000"/>
+                      </a:srgbClr>
+                    </a:solidFill>
+                    <a:latin typeface="Arial"/>
+                    <a:cs typeface="Arial"/>
+                  </a:defRPr>
+                </a:pPr>
+              </a:p>
+            </c:txPr>
+            <c:dLblPos val="ctr"/>
+            <c:showLegendKey val="0"/>
+            <c:showVal val="0"/>
+            <c:showCatName val="0"/>
+            <c:showSerName val="0"/>
+            <c:showPercent val="0"/>
+            <c:showBubbleSize val="0"/>
+            <c:separator val=", "/>
+          </c:dLbls>
           <c:cat>
             <c:strRef>
               <c:f>sheet1!$A$2:$A$7</c:f>
@@ -1393,8 +1560,8 @@
           <c:showBubbleSize val="0"/>
           <c:separator val=", "/>
         </c:dLbls>
-        <c:gapWidth val="400"/>
-        <c:overlap val="-100"/>
+        <c:gapWidth val="150"/>
+        <c:overlap val="100"/>
         <c:axId val="64451712"/>
         <c:axId val="64453248"/>
       </c:barChart>
@@ -1417,14 +1584,6 @@
             </a:ln>
           </c:spPr>
         </c:majorGridlines>
-        <c:minorGridlines>
-          <c:spPr>
-            <a:ln algn="ctr" w="0">
-              <a:noFill/>
-              <a:prstDash val="solid"/>
-            </a:ln>
-          </c:spPr>
-        </c:minorGridlines>
         <c:title>
           <c:tx>
             <c:rich>
@@ -1505,14 +1664,6 @@
             </a:ln>
           </c:spPr>
         </c:majorGridlines>
-        <c:minorGridlines>
-          <c:spPr>
-            <a:ln algn="ctr" w="0">
-              <a:noFill/>
-              <a:prstDash val="solid"/>
-            </a:ln>
-          </c:spPr>
-        </c:minorGridlines>
         <c:title>
           <c:tx>
             <c:rich>
@@ -1617,7 +1768,7 @@
 </c:chartSpace>
 </file>
 
-<file path=ppt/charts/chartbd566c9de76.xml><?xml version="1.0" encoding="utf-8"?>
+<file path=ppt/charts/chart1845fb29702.xml><?xml version="1.0" encoding="utf-8"?>
 <c:chartSpace xmlns:c="http://schemas.openxmlformats.org/drawingml/2006/chart" xmlns:a="http://schemas.openxmlformats.org/drawingml/2006/main" xmlns:r="http://schemas.openxmlformats.org/officeDocument/2006/relationships">
   <c:date1904 val="0"/>
   <c:lang val="fr-FR"/>
@@ -1634,9 +1785,8 @@
     <c:autoTitleDeleted val="0"/>
     <c:plotArea xmlns:c="http://schemas.openxmlformats.org/drawingml/2006/chart" xmlns:a="http://schemas.openxmlformats.org/drawingml/2006/main" xmlns:r="http://schemas.openxmlformats.org/officeDocument/2006/relationships">
       <c:layout/>
-      <c:barChart>
-        <c:barDir val="col"/>
-        <c:grouping val="stacked"/>
+      <c:scatterChart>
+        <c:scatterStyle val="lineMarker"/>
         <c:varyColors val="0"/>
         <c:ser>
           <c:idx val="0"/>
@@ -1647,242 +1797,275 @@
               <c:strCache>
                 <c:ptCount val="1"/>
                 <c:pt idx="0">
-                  <c:v>serie1</c:v>
+                  <c:v>drat</c:v>
                 </c:pt>
               </c:strCache>
             </c:strRef>
           </c:tx>
           <c:spPr>
-            <a:solidFill>
-              <a:srgbClr val="4477AA">
-                <a:alpha val="100000"/>
-              </a:srgbClr>
-            </a:solidFill>
-            <a:ln>
+            <a:ln algn="ctr" w="25400">
               <a:solidFill>
                 <a:srgbClr val="4477AA">
                   <a:alpha val="100000"/>
                 </a:srgbClr>
               </a:solidFill>
+              <a:prstDash val="solid"/>
             </a:ln>
           </c:spPr>
-          <c:invertIfNegative val="0"/>
-          <c:cat>
-            <c:strRef>
-              <c:f>sheet1!$A$2:$A$7</c:f>
-              <c:strCache>
-                <c:ptCount val="6"/>
-                <c:pt idx="0">
-                  <c:v>Android</c:v>
-                </c:pt>
-                <c:pt idx="1">
-                  <c:v>Chrome</c:v>
-                </c:pt>
-                <c:pt idx="2">
-                  <c:v>Firefox</c:v>
-                </c:pt>
-                <c:pt idx="3">
-                  <c:v>IE</c:v>
-                </c:pt>
-                <c:pt idx="4">
-                  <c:v>Opera</c:v>
-                </c:pt>
-                <c:pt idx="5">
-                  <c:v>Safari</c:v>
-                </c:pt>
-              </c:strCache>
-            </c:strRef>
-          </c:cat>
-          <c:val>
-            <c:numRef>
-              <c:f>sheet1!$B$2:$B$7</c:f>
-              <c:numCache>
-                <c:ptCount val="6"/>
-                <c:pt idx="0">
-                  <c:v>6</c:v>
-                </c:pt>
-                <c:pt idx="1">
-                  <c:v>1</c:v>
-                </c:pt>
-                <c:pt idx="2">
-                  <c:v>3</c:v>
-                </c:pt>
-                <c:pt idx="3">
-                  <c:v>2</c:v>
-                </c:pt>
-                <c:pt idx="4">
-                  <c:v>5</c:v>
-                </c:pt>
-                <c:pt idx="5">
-                  <c:v>4</c:v>
-                </c:pt>
-              </c:numCache>
-            </c:numRef>
-          </c:val>
-        </c:ser>
-        <c:ser>
-          <c:idx val="1"/>
-          <c:order val="1"/>
-          <c:tx>
-            <c:strRef>
-              <c:f>sheet1!$C$1</c:f>
-              <c:strCache>
-                <c:ptCount val="1"/>
-                <c:pt idx="0">
-                  <c:v>serie2</c:v>
-                </c:pt>
-              </c:strCache>
-            </c:strRef>
-          </c:tx>
-          <c:spPr>
-            <a:solidFill>
-              <a:srgbClr val="DDCC77">
-                <a:alpha val="100000"/>
-              </a:srgbClr>
-            </a:solidFill>
-            <a:ln>
+          <c:marker>
+            <c:symbol val="circle"/>
+            <c:size val="12"/>
+            <c:spPr>
               <a:solidFill>
-                <a:srgbClr val="DDCC77">
+                <a:srgbClr val="4477AA">
                   <a:alpha val="100000"/>
                 </a:srgbClr>
               </a:solidFill>
-            </a:ln>
-          </c:spPr>
-          <c:invertIfNegative val="0"/>
-          <c:cat>
-            <c:strRef>
-              <c:f>sheet1!$A$2:$A$7</c:f>
-              <c:strCache>
-                <c:ptCount val="6"/>
+              <a:ln>
+                <a:solidFill>
+                  <a:srgbClr val="4477AA">
+                    <a:alpha val="100000"/>
+                  </a:srgbClr>
+                </a:solidFill>
+              </a:ln>
+            </c:spPr>
+          </c:marker>
+          <c:dLbls>
+            <c:numFmt formatCode="General" sourceLinked="0"/>
+            <c:txPr>
+              <a:bodyPr/>
+              <a:lstStyle/>
+              <a:p>
+                <a:pPr>
+                  <a:defRPr>
+                    <a:solidFill>
+                      <a:srgbClr val="000000">
+                        <a:alpha val="100000"/>
+                      </a:srgbClr>
+                    </a:solidFill>
+                    <a:latin typeface="Arial"/>
+                    <a:cs typeface="Arial"/>
+                  </a:defRPr>
+                </a:pPr>
+              </a:p>
+            </c:txPr>
+            <c:dLblPos val="ctr"/>
+            <c:showLegendKey val="0"/>
+            <c:showVal val="0"/>
+            <c:showCatName val="0"/>
+            <c:showSerName val="0"/>
+            <c:showPercent val="0"/>
+            <c:showBubbleSize val="0"/>
+            <c:separator val=", "/>
+          </c:dLbls>
+          <c:xVal>
+            <c:numRef>
+              <c:f>sheet1!$A$2:$A$33</c:f>
+              <c:numCache>
+                <c:ptCount val="32"/>
                 <c:pt idx="0">
-                  <c:v>Android</c:v>
+                  <c:v>71.1</c:v>
                 </c:pt>
                 <c:pt idx="1">
-                  <c:v>Chrome</c:v>
+                  <c:v>75.7</c:v>
                 </c:pt>
                 <c:pt idx="2">
-                  <c:v>Firefox</c:v>
+                  <c:v>78.7</c:v>
                 </c:pt>
                 <c:pt idx="3">
-                  <c:v>IE</c:v>
+                  <c:v>79</c:v>
                 </c:pt>
                 <c:pt idx="4">
-                  <c:v>Opera</c:v>
+                  <c:v>95.1</c:v>
                 </c:pt>
                 <c:pt idx="5">
-                  <c:v>Safari</c:v>
-                </c:pt>
-              </c:strCache>
-            </c:strRef>
-          </c:cat>
-          <c:val>
-            <c:numRef>
-              <c:f>sheet1!$C$2:$C$7</c:f>
-              <c:numCache>
-                <c:ptCount val="6"/>
-                <c:pt idx="0">
-                  <c:v>12</c:v>
-                </c:pt>
-                <c:pt idx="1">
-                  <c:v>7</c:v>
-                </c:pt>
-                <c:pt idx="2">
-                  <c:v>9</c:v>
-                </c:pt>
-                <c:pt idx="3">
-                  <c:v>8</c:v>
-                </c:pt>
-                <c:pt idx="4">
-                  <c:v>11</c:v>
-                </c:pt>
-                <c:pt idx="5">
-                  <c:v>10</c:v>
+                  <c:v>108</c:v>
+                </c:pt>
+                <c:pt idx="6">
+                  <c:v>120.1</c:v>
+                </c:pt>
+                <c:pt idx="7">
+                  <c:v>120.3</c:v>
+                </c:pt>
+                <c:pt idx="8">
+                  <c:v>121</c:v>
+                </c:pt>
+                <c:pt idx="9">
+                  <c:v>140.8</c:v>
+                </c:pt>
+                <c:pt idx="10">
+                  <c:v>145</c:v>
+                </c:pt>
+                <c:pt idx="11">
+                  <c:v>146.7</c:v>
+                </c:pt>
+                <c:pt idx="12">
+                  <c:v>160</c:v>
+                </c:pt>
+                <c:pt idx="13">
+                  <c:v>160</c:v>
+                </c:pt>
+                <c:pt idx="14">
+                  <c:v>167.6</c:v>
+                </c:pt>
+                <c:pt idx="15">
+                  <c:v>167.6</c:v>
+                </c:pt>
+                <c:pt idx="16">
+                  <c:v>225</c:v>
+                </c:pt>
+                <c:pt idx="17">
+                  <c:v>258</c:v>
+                </c:pt>
+                <c:pt idx="18">
+                  <c:v>275.8</c:v>
+                </c:pt>
+                <c:pt idx="19">
+                  <c:v>275.8</c:v>
+                </c:pt>
+                <c:pt idx="20">
+                  <c:v>275.8</c:v>
+                </c:pt>
+                <c:pt idx="21">
+                  <c:v>301</c:v>
+                </c:pt>
+                <c:pt idx="22">
+                  <c:v>304</c:v>
+                </c:pt>
+                <c:pt idx="23">
+                  <c:v>318</c:v>
+                </c:pt>
+                <c:pt idx="24">
+                  <c:v>350</c:v>
+                </c:pt>
+                <c:pt idx="25">
+                  <c:v>351</c:v>
+                </c:pt>
+                <c:pt idx="26">
+                  <c:v>360</c:v>
+                </c:pt>
+                <c:pt idx="27">
+                  <c:v>360</c:v>
+                </c:pt>
+                <c:pt idx="28">
+                  <c:v>400</c:v>
+                </c:pt>
+                <c:pt idx="29">
+                  <c:v>440</c:v>
+                </c:pt>
+                <c:pt idx="30">
+                  <c:v>460</c:v>
+                </c:pt>
+                <c:pt idx="31">
+                  <c:v>472</c:v>
                 </c:pt>
               </c:numCache>
             </c:numRef>
-          </c:val>
-        </c:ser>
-        <c:ser>
-          <c:idx val="2"/>
-          <c:order val="2"/>
-          <c:tx>
-            <c:strRef>
-              <c:f>sheet1!$D$1</c:f>
-              <c:strCache>
-                <c:ptCount val="1"/>
+          </c:xVal>
+          <c:yVal>
+            <c:numRef>
+              <c:f>sheet1!$B$2:$B$33</c:f>
+              <c:numCache>
+                <c:ptCount val="32"/>
                 <c:pt idx="0">
-                  <c:v>serie3</c:v>
-                </c:pt>
-              </c:strCache>
-            </c:strRef>
-          </c:tx>
-          <c:spPr>
-            <a:solidFill>
-              <a:srgbClr val="CC6677">
-                <a:alpha val="100000"/>
-              </a:srgbClr>
-            </a:solidFill>
-            <a:ln>
-              <a:solidFill>
-                <a:srgbClr val="CC6677">
-                  <a:alpha val="100000"/>
-                </a:srgbClr>
-              </a:solidFill>
-            </a:ln>
-          </c:spPr>
-          <c:invertIfNegative val="0"/>
-          <c:cat>
-            <c:strRef>
-              <c:f>sheet1!$A$2:$A$7</c:f>
-              <c:strCache>
-                <c:ptCount val="6"/>
-                <c:pt idx="0">
-                  <c:v>Android</c:v>
+                  <c:v>4.22</c:v>
                 </c:pt>
                 <c:pt idx="1">
-                  <c:v>Chrome</c:v>
+                  <c:v>4.93</c:v>
                 </c:pt>
                 <c:pt idx="2">
-                  <c:v>Firefox</c:v>
+                  <c:v>4.08</c:v>
                 </c:pt>
                 <c:pt idx="3">
-                  <c:v>IE</c:v>
+                  <c:v>4.08</c:v>
                 </c:pt>
                 <c:pt idx="4">
-                  <c:v>Opera</c:v>
+                  <c:v>3.77</c:v>
                 </c:pt>
                 <c:pt idx="5">
-                  <c:v>Safari</c:v>
-                </c:pt>
-              </c:strCache>
-            </c:strRef>
-          </c:cat>
-          <c:val>
-            <c:numRef>
-              <c:f>sheet1!$D$2:$D$7</c:f>
-              <c:numCache>
-                <c:ptCount val="6"/>
-                <c:pt idx="0">
-                  <c:v>18</c:v>
-                </c:pt>
-                <c:pt idx="1">
-                  <c:v>13</c:v>
-                </c:pt>
-                <c:pt idx="2">
-                  <c:v>15</c:v>
-                </c:pt>
-                <c:pt idx="3">
-                  <c:v>14</c:v>
-                </c:pt>
-                <c:pt idx="4">
-                  <c:v>17</c:v>
-                </c:pt>
-                <c:pt idx="5">
-                  <c:v>16</c:v>
+                  <c:v>3.85</c:v>
+                </c:pt>
+                <c:pt idx="6">
+                  <c:v>3.7</c:v>
+                </c:pt>
+                <c:pt idx="7">
+                  <c:v>4.43</c:v>
+                </c:pt>
+                <c:pt idx="8">
+                  <c:v>4.11</c:v>
+                </c:pt>
+                <c:pt idx="9">
+                  <c:v>3.92</c:v>
+                </c:pt>
+                <c:pt idx="10">
+                  <c:v>3.62</c:v>
+                </c:pt>
+                <c:pt idx="11">
+                  <c:v>3.69</c:v>
+                </c:pt>
+                <c:pt idx="12">
+                  <c:v>3.9</c:v>
+                </c:pt>
+                <c:pt idx="13">
+                  <c:v>3.9</c:v>
+                </c:pt>
+                <c:pt idx="14">
+                  <c:v>3.92</c:v>
+                </c:pt>
+                <c:pt idx="15">
+                  <c:v>3.92</c:v>
+                </c:pt>
+                <c:pt idx="16">
+                  <c:v>2.76</c:v>
+                </c:pt>
+                <c:pt idx="17">
+                  <c:v>3.08</c:v>
+                </c:pt>
+                <c:pt idx="18">
+                  <c:v>3.07</c:v>
+                </c:pt>
+                <c:pt idx="19">
+                  <c:v>3.07</c:v>
+                </c:pt>
+                <c:pt idx="20">
+                  <c:v>3.07</c:v>
+                </c:pt>
+                <c:pt idx="21">
+                  <c:v>3.54</c:v>
+                </c:pt>
+                <c:pt idx="22">
+                  <c:v>3.15</c:v>
+                </c:pt>
+                <c:pt idx="23">
+                  <c:v>2.76</c:v>
+                </c:pt>
+                <c:pt idx="24">
+                  <c:v>3.73</c:v>
+                </c:pt>
+                <c:pt idx="25">
+                  <c:v>4.22</c:v>
+                </c:pt>
+                <c:pt idx="26">
+                  <c:v>3.15</c:v>
+                </c:pt>
+                <c:pt idx="27">
+                  <c:v>3.21</c:v>
+                </c:pt>
+                <c:pt idx="28">
+                  <c:v>3.08</c:v>
+                </c:pt>
+                <c:pt idx="29">
+                  <c:v>3.23</c:v>
+                </c:pt>
+                <c:pt idx="30">
+                  <c:v>3</c:v>
+                </c:pt>
+                <c:pt idx="31">
+                  <c:v>2.93</c:v>
                 </c:pt>
               </c:numCache>
             </c:numRef>
-          </c:val>
+          </c:yVal>
         </c:ser>
         <c:dLbls>
           <c:numFmt formatCode="General" sourceLinked="0"/>
@@ -1895,18 +2078,18 @@
           <c:showBubbleSize val="0"/>
           <c:separator val=", "/>
         </c:dLbls>
-        <c:gapWidth val="150"/>
-        <c:overlap val="100"/>
         <c:axId val="64451712"/>
         <c:axId val="64453248"/>
-      </c:barChart>
-      <c:catAx>
+      </c:scatterChart>
+      <c:valAx>
         <c:axId val="64451712"/>
         <c:scaling>
           <c:orientation val="minMax"/>
+          <c:max val="500.00"/>
+          <c:min val="0.00"/>
         </c:scaling>
         <c:delete val="0"/>
-        <c:axPos val="b"/>
+        <c:axPos val="l"/>
         <c:majorGridlines>
           <c:spPr>
             <a:ln algn="ctr" w="12700">
@@ -1919,14 +2102,6 @@
             </a:ln>
           </c:spPr>
         </c:majorGridlines>
-        <c:minorGridlines>
-          <c:spPr>
-            <a:ln algn="ctr" w="0">
-              <a:noFill/>
-              <a:prstDash val="solid"/>
-            </a:ln>
-          </c:spPr>
-        </c:minorGridlines>
         <c:title>
           <c:tx>
             <c:rich>
@@ -1946,7 +2121,7 @@
                     <a:latin typeface="Arial"/>
                     <a:cs typeface="Arial"/>
                   </a:rPr>
-                  <a:t>browser</a:t>
+                  <a:t>disp</a:t>
                 </a:r>
               </a:p>
             </c:rich>
@@ -1987,11 +2162,13 @@
         <c:numFmt formatCode="General" sourceLinked="0"/>
         <c:crossAx val="64453248"/>
         <c:crosses val="autoZero"/>
-      </c:catAx>
+      </c:valAx>
       <c:valAx>
         <c:axId val="64453248"/>
         <c:scaling>
           <c:orientation val="minMax"/>
+          <c:max val="5.00"/>
+          <c:min val="2.50"/>
         </c:scaling>
         <c:delete val="0"/>
         <c:axPos val="l"/>
@@ -2007,14 +2184,6 @@
             </a:ln>
           </c:spPr>
         </c:majorGridlines>
-        <c:minorGridlines>
-          <c:spPr>
-            <a:ln algn="ctr" w="0">
-              <a:noFill/>
-              <a:prstDash val="solid"/>
-            </a:ln>
-          </c:spPr>
-        </c:minorGridlines>
         <c:title>
           <c:tx>
             <c:rich>
@@ -2034,7 +2203,7 @@
                     <a:latin typeface="Arial"/>
                     <a:cs typeface="Arial"/>
                   </a:rPr>
-                  <a:t>value</a:t>
+                  <a:t>drat</a:t>
                 </a:r>
               </a:p>
             </c:rich>
@@ -4225,7 +4394,7 @@
       </p:grpSpPr>
       <p:graphicFrame xmlns:a="http://schemas.openxmlformats.org/drawingml/2006/main" xmlns:r="http://schemas.openxmlformats.org/officeDocument/2006/relationships" xmlns:p="http://schemas.openxmlformats.org/presentationml/2006/main">
         <p:nvGraphicFramePr>
-          <p:cNvPr name="" id="2"/>
+          <p:cNvPr id="2" name=""/>
           <p:cNvGraphicFramePr>
             <a:graphicFrameLocks noGrp="true"/>
           </p:cNvGraphicFramePr>
@@ -4268,7 +4437,7 @@
       </p:grpSpPr>
       <p:graphicFrame xmlns:a="http://schemas.openxmlformats.org/drawingml/2006/main" xmlns:r="http://schemas.openxmlformats.org/officeDocument/2006/relationships" xmlns:p="http://schemas.openxmlformats.org/presentationml/2006/main">
         <p:nvGraphicFramePr>
-          <p:cNvPr name="" id="2"/>
+          <p:cNvPr id="2" name=""/>
           <p:cNvGraphicFramePr>
             <a:graphicFrameLocks noGrp="true"/>
           </p:cNvGraphicFramePr>
@@ -4311,7 +4480,7 @@
       </p:grpSpPr>
       <p:graphicFrame xmlns:a="http://schemas.openxmlformats.org/drawingml/2006/main" xmlns:r="http://schemas.openxmlformats.org/officeDocument/2006/relationships" xmlns:p="http://schemas.openxmlformats.org/presentationml/2006/main">
         <p:nvGraphicFramePr>
-          <p:cNvPr name="" id="2"/>
+          <p:cNvPr id="2" name=""/>
           <p:cNvGraphicFramePr>
             <a:graphicFrameLocks noGrp="true"/>
           </p:cNvGraphicFramePr>
@@ -4354,7 +4523,7 @@
       </p:grpSpPr>
       <p:graphicFrame xmlns:a="http://schemas.openxmlformats.org/drawingml/2006/main" xmlns:r="http://schemas.openxmlformats.org/officeDocument/2006/relationships" xmlns:p="http://schemas.openxmlformats.org/presentationml/2006/main">
         <p:nvGraphicFramePr>
-          <p:cNvPr name="" id="2"/>
+          <p:cNvPr id="2" name=""/>
           <p:cNvGraphicFramePr>
             <a:graphicFrameLocks noGrp="true"/>
           </p:cNvGraphicFramePr>

--- a/articles/assets/pptx/chart_settings_01.pptx
+++ b/articles/assets/pptx/chart_settings_01.pptx
@@ -113,7 +113,7 @@
 </p:presentation>
 </file>
 
-<file path=ppt/charts/chart184524d0a10e.xml><?xml version="1.0" encoding="utf-8"?>
+<file path=ppt/charts/chart170b446fcaf53.xml><?xml version="1.0" encoding="utf-8"?>
 <c:chartSpace xmlns:c="http://schemas.openxmlformats.org/drawingml/2006/chart" xmlns:a="http://schemas.openxmlformats.org/drawingml/2006/main" xmlns:r="http://schemas.openxmlformats.org/officeDocument/2006/relationships">
   <c:date1904 val="0"/>
   <c:lang val="fr-FR"/>
@@ -127,11 +127,11 @@
     </mc:Fallback>
   </mc:AlternateContent>
   <c:chart>
-    <c:autoTitleDeleted val="0"/>
+    <c:autoTitleDeleted val="1"/>
     <c:plotArea xmlns:c="http://schemas.openxmlformats.org/drawingml/2006/chart" xmlns:a="http://schemas.openxmlformats.org/drawingml/2006/main" xmlns:r="http://schemas.openxmlformats.org/officeDocument/2006/relationships">
       <c:layout/>
       <c:scatterChart>
-        <c:scatterStyle val="marker"/>
+        <c:scatterStyle val="lineMarker"/>
         <c:varyColors val="0"/>
         <c:ser>
           <c:idx val="0"/>
@@ -148,8 +148,13 @@
             </c:strRef>
           </c:tx>
           <c:spPr>
-            <a:ln>
-              <a:noFill/>
+            <a:ln algn="ctr" w="25400">
+              <a:solidFill>
+                <a:srgbClr val="4477AA">
+                  <a:alpha val="100000"/>
+                </a:srgbClr>
+              </a:solidFill>
+              <a:prstDash val="solid"/>
             </a:ln>
           </c:spPr>
           <c:marker>
@@ -168,6 +173,7 @@
                   </a:srgbClr>
                 </a:solidFill>
               </a:ln>
+              <a:effectLst/>
             </c:spPr>
           </c:marker>
           <c:dLbls>
@@ -177,7 +183,7 @@
               <a:lstStyle/>
               <a:p>
                 <a:pPr>
-                  <a:defRPr>
+                  <a:defRPr cap="none">
                     <a:solidFill>
                       <a:srgbClr val="000000">
                         <a:alpha val="100000"/>
@@ -452,7 +458,7 @@
                   <a:defRPr/>
                 </a:pPr>
                 <a:r>
-                  <a:rPr sz="1600" b="1">
+                  <a:rPr cap="none" sz="1600" b="1">
                     <a:solidFill>
                       <a:srgbClr val="000000">
                         <a:alpha val="100000"/>
@@ -477,7 +483,7 @@
           <a:lstStyle/>
           <a:p>
             <a:pPr>
-              <a:defRPr sz="1000">
+              <a:defRPr cap="none" sz="1000">
                 <a:solidFill>
                   <a:srgbClr val="000000">
                     <a:alpha val="100000"/>
@@ -534,7 +540,7 @@
                   <a:defRPr/>
                 </a:pPr>
                 <a:r>
-                  <a:rPr sz="1600" b="1">
+                  <a:rPr cap="none" sz="1600" b="1">
                     <a:solidFill>
                       <a:srgbClr val="000000">
                         <a:alpha val="100000"/>
@@ -559,7 +565,7 @@
           <a:lstStyle/>
           <a:p>
             <a:pPr>
-              <a:defRPr sz="1000">
+              <a:defRPr cap="none" sz="1000">
                 <a:solidFill>
                   <a:srgbClr val="000000">
                     <a:alpha val="100000"/>
@@ -595,7 +601,7 @@
         <a:lstStyle/>
         <a:p>
           <a:pPr>
-            <a:defRPr sz="1400">
+            <a:defRPr cap="none" sz="1400">
               <a:solidFill>
                 <a:srgbClr val="000000">
                   <a:alpha val="100000"/>
@@ -628,7 +634,7 @@
 </c:chartSpace>
 </file>
 
-<file path=ppt/charts/chart184539eeab1a.xml><?xml version="1.0" encoding="utf-8"?>
+<file path=ppt/charts/chart170b450fc0999.xml><?xml version="1.0" encoding="utf-8"?>
 <c:chartSpace xmlns:c="http://schemas.openxmlformats.org/drawingml/2006/chart" xmlns:a="http://schemas.openxmlformats.org/drawingml/2006/main" xmlns:r="http://schemas.openxmlformats.org/officeDocument/2006/relationships">
   <c:date1904 val="0"/>
   <c:lang val="fr-FR"/>
@@ -642,12 +648,12 @@
     </mc:Fallback>
   </mc:AlternateContent>
   <c:chart>
-    <c:autoTitleDeleted val="0"/>
+    <c:autoTitleDeleted val="1"/>
     <c:plotArea xmlns:c="http://schemas.openxmlformats.org/drawingml/2006/chart" xmlns:a="http://schemas.openxmlformats.org/drawingml/2006/main" xmlns:r="http://schemas.openxmlformats.org/officeDocument/2006/relationships">
       <c:layout/>
       <c:barChart>
         <c:barDir val="col"/>
-        <c:grouping val="clustered"/>
+        <c:grouping val="stacked"/>
         <c:varyColors val="0"/>
         <c:ser>
           <c:idx val="0"/>
@@ -676,6 +682,7 @@
                 </a:srgbClr>
               </a:solidFill>
             </a:ln>
+            <a:effectLst/>
           </c:spPr>
           <c:invertIfNegative val="0"/>
           <c:dLbls>
@@ -685,7 +692,7 @@
               <a:lstStyle/>
               <a:p>
                 <a:pPr>
-                  <a:defRPr>
+                  <a:defRPr cap="none">
                     <a:solidFill>
                       <a:srgbClr val="000000">
                         <a:alpha val="100000"/>
@@ -786,6 +793,7 @@
                 </a:srgbClr>
               </a:solidFill>
             </a:ln>
+            <a:effectLst/>
           </c:spPr>
           <c:invertIfNegative val="0"/>
           <c:dLbls>
@@ -795,7 +803,7 @@
               <a:lstStyle/>
               <a:p>
                 <a:pPr>
-                  <a:defRPr>
+                  <a:defRPr cap="none">
                     <a:solidFill>
                       <a:srgbClr val="000000">
                         <a:alpha val="100000"/>
@@ -896,6 +904,7 @@
                 </a:srgbClr>
               </a:solidFill>
             </a:ln>
+            <a:effectLst/>
           </c:spPr>
           <c:invertIfNegative val="0"/>
           <c:dLbls>
@@ -905,7 +914,1096 @@
               <a:lstStyle/>
               <a:p>
                 <a:pPr>
-                  <a:defRPr>
+                  <a:defRPr cap="none">
+                    <a:solidFill>
+                      <a:srgbClr val="000000">
+                        <a:alpha val="100000"/>
+                      </a:srgbClr>
+                    </a:solidFill>
+                    <a:latin typeface="Arial"/>
+                    <a:cs typeface="Arial"/>
+                  </a:defRPr>
+                </a:pPr>
+              </a:p>
+            </c:txPr>
+            <c:dLblPos val="ctr"/>
+            <c:showLegendKey val="0"/>
+            <c:showVal val="0"/>
+            <c:showCatName val="0"/>
+            <c:showSerName val="0"/>
+            <c:showPercent val="0"/>
+            <c:showBubbleSize val="0"/>
+            <c:separator val=", "/>
+          </c:dLbls>
+          <c:cat>
+            <c:strRef>
+              <c:f>sheet1!$A$2:$A$7</c:f>
+              <c:strCache>
+                <c:ptCount val="6"/>
+                <c:pt idx="0">
+                  <c:v>Android</c:v>
+                </c:pt>
+                <c:pt idx="1">
+                  <c:v>Chrome</c:v>
+                </c:pt>
+                <c:pt idx="2">
+                  <c:v>Firefox</c:v>
+                </c:pt>
+                <c:pt idx="3">
+                  <c:v>IE</c:v>
+                </c:pt>
+                <c:pt idx="4">
+                  <c:v>Opera</c:v>
+                </c:pt>
+                <c:pt idx="5">
+                  <c:v>Safari</c:v>
+                </c:pt>
+              </c:strCache>
+            </c:strRef>
+          </c:cat>
+          <c:val>
+            <c:numRef>
+              <c:f>sheet1!$D$2:$D$7</c:f>
+              <c:numCache>
+                <c:ptCount val="6"/>
+                <c:pt idx="0">
+                  <c:v>18</c:v>
+                </c:pt>
+                <c:pt idx="1">
+                  <c:v>13</c:v>
+                </c:pt>
+                <c:pt idx="2">
+                  <c:v>15</c:v>
+                </c:pt>
+                <c:pt idx="3">
+                  <c:v>14</c:v>
+                </c:pt>
+                <c:pt idx="4">
+                  <c:v>17</c:v>
+                </c:pt>
+                <c:pt idx="5">
+                  <c:v>16</c:v>
+                </c:pt>
+              </c:numCache>
+            </c:numRef>
+          </c:val>
+        </c:ser>
+        <c:dLbls>
+          <c:numFmt formatCode="General" sourceLinked="0"/>
+          <c:dLblPos val="ctr"/>
+          <c:showLegendKey val="0"/>
+          <c:showVal val="0"/>
+          <c:showCatName val="0"/>
+          <c:showSerName val="0"/>
+          <c:showPercent val="0"/>
+          <c:showBubbleSize val="0"/>
+          <c:separator val=", "/>
+        </c:dLbls>
+        <c:gapWidth val="150"/>
+        <c:overlap val="100"/>
+        <c:axId val="64451712"/>
+        <c:axId val="64453248"/>
+      </c:barChart>
+      <c:catAx>
+        <c:axId val="64451712"/>
+        <c:scaling>
+          <c:orientation val="minMax"/>
+        </c:scaling>
+        <c:delete val="0"/>
+        <c:axPos val="b"/>
+        <c:majorGridlines>
+          <c:spPr>
+            <a:ln algn="ctr" w="12700">
+              <a:solidFill>
+                <a:srgbClr val="999999">
+                  <a:alpha val="60000"/>
+                </a:srgbClr>
+              </a:solidFill>
+              <a:prstDash val="sysDash"/>
+            </a:ln>
+          </c:spPr>
+        </c:majorGridlines>
+        <c:title>
+          <c:tx>
+            <c:rich>
+              <a:bodyPr rot="0" vert="horz" anchor="ctr"/>
+              <a:lstStyle/>
+              <a:p>
+                <a:pPr>
+                  <a:defRPr/>
+                </a:pPr>
+                <a:r>
+                  <a:rPr cap="none" sz="1600" b="1">
+                    <a:solidFill>
+                      <a:srgbClr val="000000">
+                        <a:alpha val="100000"/>
+                      </a:srgbClr>
+                    </a:solidFill>
+                    <a:latin typeface="Arial"/>
+                    <a:cs typeface="Arial"/>
+                  </a:rPr>
+                  <a:t>browser</a:t>
+                </a:r>
+              </a:p>
+            </c:rich>
+          </c:tx>
+          <c:layout/>
+          <c:overlay val="0"/>
+        </c:title>
+        <c:majorTickMark val="cross"/>
+        <c:minorTickMark val="none"/>
+        <c:tickLblPos val="nextTo"/>
+        <c:txPr>
+          <a:bodyPr rot="0" vert="horz"/>
+          <a:lstStyle/>
+          <a:p>
+            <a:pPr>
+              <a:defRPr cap="none" sz="1000">
+                <a:solidFill>
+                  <a:srgbClr val="000000">
+                    <a:alpha val="100000"/>
+                  </a:srgbClr>
+                </a:solidFill>
+                <a:latin typeface="Arial"/>
+                <a:cs typeface="Arial"/>
+              </a:defRPr>
+            </a:pPr>
+          </a:p>
+        </c:txPr>
+        <c:spPr>
+          <a:ln algn="ctr" w="12700">
+            <a:solidFill>
+              <a:srgbClr val="999999">
+                <a:alpha val="60000"/>
+              </a:srgbClr>
+            </a:solidFill>
+            <a:prstDash val="solid"/>
+          </a:ln>
+        </c:spPr>
+        <c:numFmt formatCode="General" sourceLinked="0"/>
+        <c:crossAx val="64453248"/>
+        <c:crosses val="autoZero"/>
+      </c:catAx>
+      <c:valAx>
+        <c:axId val="64453248"/>
+        <c:scaling>
+          <c:orientation val="minMax"/>
+        </c:scaling>
+        <c:delete val="0"/>
+        <c:axPos val="l"/>
+        <c:majorGridlines>
+          <c:spPr>
+            <a:ln algn="ctr" w="12700">
+              <a:solidFill>
+                <a:srgbClr val="999999">
+                  <a:alpha val="60000"/>
+                </a:srgbClr>
+              </a:solidFill>
+              <a:prstDash val="sysDash"/>
+            </a:ln>
+          </c:spPr>
+        </c:majorGridlines>
+        <c:title>
+          <c:tx>
+            <c:rich>
+              <a:bodyPr rot="16200000" vert="horz" anchor="ctr"/>
+              <a:lstStyle/>
+              <a:p>
+                <a:pPr>
+                  <a:defRPr/>
+                </a:pPr>
+                <a:r>
+                  <a:rPr cap="none" sz="1600" b="1">
+                    <a:solidFill>
+                      <a:srgbClr val="000000">
+                        <a:alpha val="100000"/>
+                      </a:srgbClr>
+                    </a:solidFill>
+                    <a:latin typeface="Arial"/>
+                    <a:cs typeface="Arial"/>
+                  </a:rPr>
+                  <a:t>value</a:t>
+                </a:r>
+              </a:p>
+            </c:rich>
+          </c:tx>
+          <c:layout/>
+          <c:overlay val="0"/>
+        </c:title>
+        <c:majorTickMark val="cross"/>
+        <c:minorTickMark val="none"/>
+        <c:tickLblPos val="nextTo"/>
+        <c:txPr>
+          <a:bodyPr rot="0" vert="horz"/>
+          <a:lstStyle/>
+          <a:p>
+            <a:pPr>
+              <a:defRPr cap="none" sz="1000">
+                <a:solidFill>
+                  <a:srgbClr val="000000">
+                    <a:alpha val="100000"/>
+                  </a:srgbClr>
+                </a:solidFill>
+                <a:latin typeface="Arial"/>
+                <a:cs typeface="Arial"/>
+              </a:defRPr>
+            </a:pPr>
+          </a:p>
+        </c:txPr>
+        <c:spPr>
+          <a:ln algn="ctr" w="12700">
+            <a:solidFill>
+              <a:srgbClr val="999999">
+                <a:alpha val="60000"/>
+              </a:srgbClr>
+            </a:solidFill>
+            <a:prstDash val="solid"/>
+          </a:ln>
+        </c:spPr>
+        <c:numFmt formatCode="General" sourceLinked="0"/>
+        <c:crossAx val="64451712"/>
+        <c:crosses val="autoZero"/>
+      </c:valAx>
+    </c:plotArea>
+    <c:legend>
+      <c:legendPos val="b"/>
+      <c:layout/>
+      <c:overlay val="0"/>
+      <c:txPr xmlns:c="http://schemas.openxmlformats.org/drawingml/2006/chart" xmlns:a="http://schemas.openxmlformats.org/drawingml/2006/main">
+        <a:bodyPr/>
+        <a:lstStyle/>
+        <a:p>
+          <a:pPr>
+            <a:defRPr cap="none" sz="1400">
+              <a:solidFill>
+                <a:srgbClr val="000000">
+                  <a:alpha val="100000"/>
+                </a:srgbClr>
+              </a:solidFill>
+              <a:latin typeface="Arial"/>
+              <a:cs typeface="Arial"/>
+            </a:defRPr>
+          </a:pPr>
+        </a:p>
+      </c:txPr>
+    </c:legend>
+    <c:plotVisOnly val="1"/>
+    <c:dispBlanksAs val="gap"/>
+    <c:showDLblsOverMax val="0"/>
+  </c:chart>
+  <c:txPr>
+    <a:bodyPr/>
+    <a:lstStyle/>
+    <a:p>
+      <a:pPr>
+        <a:defRPr sz="1800"/>
+      </a:pPr>
+      <a:endParaRPr lang="fr-FR"/>
+    </a:p>
+  </c:txPr>
+  <c:externalData r:id="rId1">
+    <c:autoUpdate val="0"/>
+  </c:externalData>
+</c:chartSpace>
+</file>
+
+<file path=ppt/charts/chart170b45c1ab95f.xml><?xml version="1.0" encoding="utf-8"?>
+<c:chartSpace xmlns:c="http://schemas.openxmlformats.org/drawingml/2006/chart" xmlns:a="http://schemas.openxmlformats.org/drawingml/2006/main" xmlns:r="http://schemas.openxmlformats.org/officeDocument/2006/relationships">
+  <c:date1904 val="0"/>
+  <c:lang val="fr-FR"/>
+  <c:roundedCorners val="0"/>
+  <mc:AlternateContent xmlns:mc="http://schemas.openxmlformats.org/markup-compatibility/2006">
+    <mc:Choice xmlns:c14="http://schemas.microsoft.com/office/drawing/2007/8/2/chart" Requires="c14">
+      <c14:style val="118"/>
+    </mc:Choice>
+    <mc:Fallback>
+      <c:style val="18"/>
+    </mc:Fallback>
+  </mc:AlternateContent>
+  <c:chart>
+    <c:autoTitleDeleted val="1"/>
+    <c:plotArea xmlns:c="http://schemas.openxmlformats.org/drawingml/2006/chart" xmlns:a="http://schemas.openxmlformats.org/drawingml/2006/main" xmlns:r="http://schemas.openxmlformats.org/officeDocument/2006/relationships">
+      <c:layout/>
+      <c:scatterChart>
+        <c:scatterStyle val="marker"/>
+        <c:varyColors val="0"/>
+        <c:ser>
+          <c:idx val="0"/>
+          <c:order val="0"/>
+          <c:tx>
+            <c:strRef>
+              <c:f>sheet1!$B$1</c:f>
+              <c:strCache>
+                <c:ptCount val="1"/>
+                <c:pt idx="0">
+                  <c:v>drat</c:v>
+                </c:pt>
+              </c:strCache>
+            </c:strRef>
+          </c:tx>
+          <c:spPr>
+            <a:ln>
+              <a:noFill/>
+            </a:ln>
+          </c:spPr>
+          <c:marker>
+            <c:symbol val="circle"/>
+            <c:size val="12"/>
+            <c:spPr>
+              <a:solidFill>
+                <a:srgbClr val="4477AA">
+                  <a:alpha val="100000"/>
+                </a:srgbClr>
+              </a:solidFill>
+              <a:ln>
+                <a:solidFill>
+                  <a:srgbClr val="4477AA">
+                    <a:alpha val="100000"/>
+                  </a:srgbClr>
+                </a:solidFill>
+              </a:ln>
+              <a:effectLst/>
+            </c:spPr>
+          </c:marker>
+          <c:dLbls>
+            <c:numFmt formatCode="General" sourceLinked="0"/>
+            <c:txPr>
+              <a:bodyPr/>
+              <a:lstStyle/>
+              <a:p>
+                <a:pPr>
+                  <a:defRPr cap="none">
+                    <a:solidFill>
+                      <a:srgbClr val="000000">
+                        <a:alpha val="100000"/>
+                      </a:srgbClr>
+                    </a:solidFill>
+                    <a:latin typeface="Arial"/>
+                    <a:cs typeface="Arial"/>
+                  </a:defRPr>
+                </a:pPr>
+              </a:p>
+            </c:txPr>
+            <c:dLblPos val="ctr"/>
+            <c:showLegendKey val="0"/>
+            <c:showVal val="0"/>
+            <c:showCatName val="0"/>
+            <c:showSerName val="0"/>
+            <c:showPercent val="0"/>
+            <c:showBubbleSize val="0"/>
+            <c:separator val=", "/>
+          </c:dLbls>
+          <c:xVal>
+            <c:numRef>
+              <c:f>sheet1!$A$2:$A$33</c:f>
+              <c:numCache>
+                <c:ptCount val="32"/>
+                <c:pt idx="0">
+                  <c:v>71.1</c:v>
+                </c:pt>
+                <c:pt idx="1">
+                  <c:v>75.7</c:v>
+                </c:pt>
+                <c:pt idx="2">
+                  <c:v>78.7</c:v>
+                </c:pt>
+                <c:pt idx="3">
+                  <c:v>79</c:v>
+                </c:pt>
+                <c:pt idx="4">
+                  <c:v>95.1</c:v>
+                </c:pt>
+                <c:pt idx="5">
+                  <c:v>108</c:v>
+                </c:pt>
+                <c:pt idx="6">
+                  <c:v>120.1</c:v>
+                </c:pt>
+                <c:pt idx="7">
+                  <c:v>120.3</c:v>
+                </c:pt>
+                <c:pt idx="8">
+                  <c:v>121</c:v>
+                </c:pt>
+                <c:pt idx="9">
+                  <c:v>140.8</c:v>
+                </c:pt>
+                <c:pt idx="10">
+                  <c:v>145</c:v>
+                </c:pt>
+                <c:pt idx="11">
+                  <c:v>146.7</c:v>
+                </c:pt>
+                <c:pt idx="12">
+                  <c:v>160</c:v>
+                </c:pt>
+                <c:pt idx="13">
+                  <c:v>160</c:v>
+                </c:pt>
+                <c:pt idx="14">
+                  <c:v>167.6</c:v>
+                </c:pt>
+                <c:pt idx="15">
+                  <c:v>167.6</c:v>
+                </c:pt>
+                <c:pt idx="16">
+                  <c:v>225</c:v>
+                </c:pt>
+                <c:pt idx="17">
+                  <c:v>258</c:v>
+                </c:pt>
+                <c:pt idx="18">
+                  <c:v>275.8</c:v>
+                </c:pt>
+                <c:pt idx="19">
+                  <c:v>275.8</c:v>
+                </c:pt>
+                <c:pt idx="20">
+                  <c:v>275.8</c:v>
+                </c:pt>
+                <c:pt idx="21">
+                  <c:v>301</c:v>
+                </c:pt>
+                <c:pt idx="22">
+                  <c:v>304</c:v>
+                </c:pt>
+                <c:pt idx="23">
+                  <c:v>318</c:v>
+                </c:pt>
+                <c:pt idx="24">
+                  <c:v>350</c:v>
+                </c:pt>
+                <c:pt idx="25">
+                  <c:v>351</c:v>
+                </c:pt>
+                <c:pt idx="26">
+                  <c:v>360</c:v>
+                </c:pt>
+                <c:pt idx="27">
+                  <c:v>360</c:v>
+                </c:pt>
+                <c:pt idx="28">
+                  <c:v>400</c:v>
+                </c:pt>
+                <c:pt idx="29">
+                  <c:v>440</c:v>
+                </c:pt>
+                <c:pt idx="30">
+                  <c:v>460</c:v>
+                </c:pt>
+                <c:pt idx="31">
+                  <c:v>472</c:v>
+                </c:pt>
+              </c:numCache>
+            </c:numRef>
+          </c:xVal>
+          <c:yVal>
+            <c:numRef>
+              <c:f>sheet1!$B$2:$B$33</c:f>
+              <c:numCache>
+                <c:ptCount val="32"/>
+                <c:pt idx="0">
+                  <c:v>4.22</c:v>
+                </c:pt>
+                <c:pt idx="1">
+                  <c:v>4.93</c:v>
+                </c:pt>
+                <c:pt idx="2">
+                  <c:v>4.08</c:v>
+                </c:pt>
+                <c:pt idx="3">
+                  <c:v>4.08</c:v>
+                </c:pt>
+                <c:pt idx="4">
+                  <c:v>3.77</c:v>
+                </c:pt>
+                <c:pt idx="5">
+                  <c:v>3.85</c:v>
+                </c:pt>
+                <c:pt idx="6">
+                  <c:v>3.7</c:v>
+                </c:pt>
+                <c:pt idx="7">
+                  <c:v>4.43</c:v>
+                </c:pt>
+                <c:pt idx="8">
+                  <c:v>4.11</c:v>
+                </c:pt>
+                <c:pt idx="9">
+                  <c:v>3.92</c:v>
+                </c:pt>
+                <c:pt idx="10">
+                  <c:v>3.62</c:v>
+                </c:pt>
+                <c:pt idx="11">
+                  <c:v>3.69</c:v>
+                </c:pt>
+                <c:pt idx="12">
+                  <c:v>3.9</c:v>
+                </c:pt>
+                <c:pt idx="13">
+                  <c:v>3.9</c:v>
+                </c:pt>
+                <c:pt idx="14">
+                  <c:v>3.92</c:v>
+                </c:pt>
+                <c:pt idx="15">
+                  <c:v>3.92</c:v>
+                </c:pt>
+                <c:pt idx="16">
+                  <c:v>2.76</c:v>
+                </c:pt>
+                <c:pt idx="17">
+                  <c:v>3.08</c:v>
+                </c:pt>
+                <c:pt idx="18">
+                  <c:v>3.07</c:v>
+                </c:pt>
+                <c:pt idx="19">
+                  <c:v>3.07</c:v>
+                </c:pt>
+                <c:pt idx="20">
+                  <c:v>3.07</c:v>
+                </c:pt>
+                <c:pt idx="21">
+                  <c:v>3.54</c:v>
+                </c:pt>
+                <c:pt idx="22">
+                  <c:v>3.15</c:v>
+                </c:pt>
+                <c:pt idx="23">
+                  <c:v>2.76</c:v>
+                </c:pt>
+                <c:pt idx="24">
+                  <c:v>3.73</c:v>
+                </c:pt>
+                <c:pt idx="25">
+                  <c:v>4.22</c:v>
+                </c:pt>
+                <c:pt idx="26">
+                  <c:v>3.15</c:v>
+                </c:pt>
+                <c:pt idx="27">
+                  <c:v>3.21</c:v>
+                </c:pt>
+                <c:pt idx="28">
+                  <c:v>3.08</c:v>
+                </c:pt>
+                <c:pt idx="29">
+                  <c:v>3.23</c:v>
+                </c:pt>
+                <c:pt idx="30">
+                  <c:v>3</c:v>
+                </c:pt>
+                <c:pt idx="31">
+                  <c:v>2.93</c:v>
+                </c:pt>
+              </c:numCache>
+            </c:numRef>
+          </c:yVal>
+        </c:ser>
+        <c:dLbls>
+          <c:numFmt formatCode="General" sourceLinked="0"/>
+          <c:dLblPos val="ctr"/>
+          <c:showLegendKey val="0"/>
+          <c:showVal val="0"/>
+          <c:showCatName val="0"/>
+          <c:showSerName val="0"/>
+          <c:showPercent val="0"/>
+          <c:showBubbleSize val="0"/>
+          <c:separator val=", "/>
+        </c:dLbls>
+        <c:axId val="64451712"/>
+        <c:axId val="64453248"/>
+      </c:scatterChart>
+      <c:valAx>
+        <c:axId val="64451712"/>
+        <c:scaling>
+          <c:orientation val="minMax"/>
+          <c:max val="500.00"/>
+          <c:min val="0.00"/>
+        </c:scaling>
+        <c:delete val="0"/>
+        <c:axPos val="l"/>
+        <c:majorGridlines>
+          <c:spPr>
+            <a:ln algn="ctr" w="12700">
+              <a:solidFill>
+                <a:srgbClr val="999999">
+                  <a:alpha val="60000"/>
+                </a:srgbClr>
+              </a:solidFill>
+              <a:prstDash val="sysDash"/>
+            </a:ln>
+          </c:spPr>
+        </c:majorGridlines>
+        <c:title>
+          <c:tx>
+            <c:rich>
+              <a:bodyPr rot="0" vert="horz" anchor="ctr"/>
+              <a:lstStyle/>
+              <a:p>
+                <a:pPr>
+                  <a:defRPr/>
+                </a:pPr>
+                <a:r>
+                  <a:rPr cap="none" sz="1600" b="1">
+                    <a:solidFill>
+                      <a:srgbClr val="000000">
+                        <a:alpha val="100000"/>
+                      </a:srgbClr>
+                    </a:solidFill>
+                    <a:latin typeface="Arial"/>
+                    <a:cs typeface="Arial"/>
+                  </a:rPr>
+                  <a:t>disp</a:t>
+                </a:r>
+              </a:p>
+            </c:rich>
+          </c:tx>
+          <c:layout/>
+          <c:overlay val="0"/>
+        </c:title>
+        <c:majorTickMark val="cross"/>
+        <c:minorTickMark val="none"/>
+        <c:tickLblPos val="nextTo"/>
+        <c:txPr>
+          <a:bodyPr rot="0" vert="horz"/>
+          <a:lstStyle/>
+          <a:p>
+            <a:pPr>
+              <a:defRPr cap="none" sz="1000">
+                <a:solidFill>
+                  <a:srgbClr val="000000">
+                    <a:alpha val="100000"/>
+                  </a:srgbClr>
+                </a:solidFill>
+                <a:latin typeface="Arial"/>
+                <a:cs typeface="Arial"/>
+              </a:defRPr>
+            </a:pPr>
+          </a:p>
+        </c:txPr>
+        <c:spPr>
+          <a:ln algn="ctr" w="12700">
+            <a:solidFill>
+              <a:srgbClr val="999999">
+                <a:alpha val="60000"/>
+              </a:srgbClr>
+            </a:solidFill>
+            <a:prstDash val="solid"/>
+          </a:ln>
+        </c:spPr>
+        <c:numFmt formatCode="General" sourceLinked="0"/>
+        <c:crossAx val="64453248"/>
+        <c:crosses val="autoZero"/>
+      </c:valAx>
+      <c:valAx>
+        <c:axId val="64453248"/>
+        <c:scaling>
+          <c:orientation val="minMax"/>
+          <c:max val="5.00"/>
+          <c:min val="2.50"/>
+        </c:scaling>
+        <c:delete val="0"/>
+        <c:axPos val="l"/>
+        <c:majorGridlines>
+          <c:spPr>
+            <a:ln algn="ctr" w="12700">
+              <a:solidFill>
+                <a:srgbClr val="999999">
+                  <a:alpha val="60000"/>
+                </a:srgbClr>
+              </a:solidFill>
+              <a:prstDash val="sysDash"/>
+            </a:ln>
+          </c:spPr>
+        </c:majorGridlines>
+        <c:title>
+          <c:tx>
+            <c:rich>
+              <a:bodyPr rot="16200000" vert="horz" anchor="ctr"/>
+              <a:lstStyle/>
+              <a:p>
+                <a:pPr>
+                  <a:defRPr/>
+                </a:pPr>
+                <a:r>
+                  <a:rPr cap="none" sz="1600" b="1">
+                    <a:solidFill>
+                      <a:srgbClr val="000000">
+                        <a:alpha val="100000"/>
+                      </a:srgbClr>
+                    </a:solidFill>
+                    <a:latin typeface="Arial"/>
+                    <a:cs typeface="Arial"/>
+                  </a:rPr>
+                  <a:t>drat</a:t>
+                </a:r>
+              </a:p>
+            </c:rich>
+          </c:tx>
+          <c:layout/>
+          <c:overlay val="0"/>
+        </c:title>
+        <c:majorTickMark val="cross"/>
+        <c:minorTickMark val="none"/>
+        <c:tickLblPos val="nextTo"/>
+        <c:txPr>
+          <a:bodyPr rot="0" vert="horz"/>
+          <a:lstStyle/>
+          <a:p>
+            <a:pPr>
+              <a:defRPr cap="none" sz="1000">
+                <a:solidFill>
+                  <a:srgbClr val="000000">
+                    <a:alpha val="100000"/>
+                  </a:srgbClr>
+                </a:solidFill>
+                <a:latin typeface="Arial"/>
+                <a:cs typeface="Arial"/>
+              </a:defRPr>
+            </a:pPr>
+          </a:p>
+        </c:txPr>
+        <c:spPr>
+          <a:ln algn="ctr" w="12700">
+            <a:solidFill>
+              <a:srgbClr val="999999">
+                <a:alpha val="60000"/>
+              </a:srgbClr>
+            </a:solidFill>
+            <a:prstDash val="solid"/>
+          </a:ln>
+        </c:spPr>
+        <c:numFmt formatCode="General" sourceLinked="0"/>
+        <c:crossAx val="64451712"/>
+        <c:crosses val="autoZero"/>
+      </c:valAx>
+    </c:plotArea>
+    <c:legend>
+      <c:legendPos val="b"/>
+      <c:layout/>
+      <c:overlay val="0"/>
+      <c:txPr xmlns:c="http://schemas.openxmlformats.org/drawingml/2006/chart" xmlns:a="http://schemas.openxmlformats.org/drawingml/2006/main">
+        <a:bodyPr/>
+        <a:lstStyle/>
+        <a:p>
+          <a:pPr>
+            <a:defRPr cap="none" sz="1400">
+              <a:solidFill>
+                <a:srgbClr val="000000">
+                  <a:alpha val="100000"/>
+                </a:srgbClr>
+              </a:solidFill>
+              <a:latin typeface="Arial"/>
+              <a:cs typeface="Arial"/>
+            </a:defRPr>
+          </a:pPr>
+        </a:p>
+      </c:txPr>
+    </c:legend>
+    <c:plotVisOnly val="1"/>
+    <c:dispBlanksAs val="gap"/>
+    <c:showDLblsOverMax val="0"/>
+  </c:chart>
+  <c:txPr>
+    <a:bodyPr/>
+    <a:lstStyle/>
+    <a:p>
+      <a:pPr>
+        <a:defRPr sz="1800"/>
+      </a:pPr>
+      <a:endParaRPr lang="fr-FR"/>
+    </a:p>
+  </c:txPr>
+  <c:externalData r:id="rId1">
+    <c:autoUpdate val="0"/>
+  </c:externalData>
+</c:chartSpace>
+</file>
+
+<file path=ppt/charts/chart170b47138c36b.xml><?xml version="1.0" encoding="utf-8"?>
+<c:chartSpace xmlns:c="http://schemas.openxmlformats.org/drawingml/2006/chart" xmlns:a="http://schemas.openxmlformats.org/drawingml/2006/main" xmlns:r="http://schemas.openxmlformats.org/officeDocument/2006/relationships">
+  <c:date1904 val="0"/>
+  <c:lang val="fr-FR"/>
+  <c:roundedCorners val="0"/>
+  <mc:AlternateContent xmlns:mc="http://schemas.openxmlformats.org/markup-compatibility/2006">
+    <mc:Choice xmlns:c14="http://schemas.microsoft.com/office/drawing/2007/8/2/chart" Requires="c14">
+      <c14:style val="118"/>
+    </mc:Choice>
+    <mc:Fallback>
+      <c:style val="18"/>
+    </mc:Fallback>
+  </mc:AlternateContent>
+  <c:chart>
+    <c:autoTitleDeleted val="1"/>
+    <c:plotArea xmlns:c="http://schemas.openxmlformats.org/drawingml/2006/chart" xmlns:a="http://schemas.openxmlformats.org/drawingml/2006/main" xmlns:r="http://schemas.openxmlformats.org/officeDocument/2006/relationships">
+      <c:layout/>
+      <c:barChart>
+        <c:barDir val="col"/>
+        <c:grouping val="clustered"/>
+        <c:varyColors val="0"/>
+        <c:ser>
+          <c:idx val="0"/>
+          <c:order val="0"/>
+          <c:tx>
+            <c:strRef>
+              <c:f>sheet1!$B$1</c:f>
+              <c:strCache>
+                <c:ptCount val="1"/>
+                <c:pt idx="0">
+                  <c:v>serie1</c:v>
+                </c:pt>
+              </c:strCache>
+            </c:strRef>
+          </c:tx>
+          <c:spPr>
+            <a:solidFill>
+              <a:srgbClr val="4477AA">
+                <a:alpha val="100000"/>
+              </a:srgbClr>
+            </a:solidFill>
+            <a:ln>
+              <a:solidFill>
+                <a:srgbClr val="4477AA">
+                  <a:alpha val="100000"/>
+                </a:srgbClr>
+              </a:solidFill>
+            </a:ln>
+            <a:effectLst/>
+          </c:spPr>
+          <c:invertIfNegative val="0"/>
+          <c:dLbls>
+            <c:numFmt formatCode="General" sourceLinked="0"/>
+            <c:txPr>
+              <a:bodyPr/>
+              <a:lstStyle/>
+              <a:p>
+                <a:pPr>
+                  <a:defRPr cap="none">
+                    <a:solidFill>
+                      <a:srgbClr val="000000">
+                        <a:alpha val="100000"/>
+                      </a:srgbClr>
+                    </a:solidFill>
+                    <a:latin typeface="Arial"/>
+                    <a:cs typeface="Arial"/>
+                  </a:defRPr>
+                </a:pPr>
+              </a:p>
+            </c:txPr>
+            <c:dLblPos val="ctr"/>
+            <c:showLegendKey val="0"/>
+            <c:showVal val="0"/>
+            <c:showCatName val="0"/>
+            <c:showSerName val="0"/>
+            <c:showPercent val="0"/>
+            <c:showBubbleSize val="0"/>
+            <c:separator val=", "/>
+          </c:dLbls>
+          <c:cat>
+            <c:strRef>
+              <c:f>sheet1!$A$2:$A$7</c:f>
+              <c:strCache>
+                <c:ptCount val="6"/>
+                <c:pt idx="0">
+                  <c:v>Android</c:v>
+                </c:pt>
+                <c:pt idx="1">
+                  <c:v>Chrome</c:v>
+                </c:pt>
+                <c:pt idx="2">
+                  <c:v>Firefox</c:v>
+                </c:pt>
+                <c:pt idx="3">
+                  <c:v>IE</c:v>
+                </c:pt>
+                <c:pt idx="4">
+                  <c:v>Opera</c:v>
+                </c:pt>
+                <c:pt idx="5">
+                  <c:v>Safari</c:v>
+                </c:pt>
+              </c:strCache>
+            </c:strRef>
+          </c:cat>
+          <c:val>
+            <c:numRef>
+              <c:f>sheet1!$B$2:$B$7</c:f>
+              <c:numCache>
+                <c:ptCount val="6"/>
+                <c:pt idx="0">
+                  <c:v>6</c:v>
+                </c:pt>
+                <c:pt idx="1">
+                  <c:v>1</c:v>
+                </c:pt>
+                <c:pt idx="2">
+                  <c:v>3</c:v>
+                </c:pt>
+                <c:pt idx="3">
+                  <c:v>2</c:v>
+                </c:pt>
+                <c:pt idx="4">
+                  <c:v>5</c:v>
+                </c:pt>
+                <c:pt idx="5">
+                  <c:v>4</c:v>
+                </c:pt>
+              </c:numCache>
+            </c:numRef>
+          </c:val>
+        </c:ser>
+        <c:ser>
+          <c:idx val="1"/>
+          <c:order val="1"/>
+          <c:tx>
+            <c:strRef>
+              <c:f>sheet1!$C$1</c:f>
+              <c:strCache>
+                <c:ptCount val="1"/>
+                <c:pt idx="0">
+                  <c:v>serie2</c:v>
+                </c:pt>
+              </c:strCache>
+            </c:strRef>
+          </c:tx>
+          <c:spPr>
+            <a:solidFill>
+              <a:srgbClr val="DDCC77">
+                <a:alpha val="100000"/>
+              </a:srgbClr>
+            </a:solidFill>
+            <a:ln>
+              <a:solidFill>
+                <a:srgbClr val="DDCC77">
+                  <a:alpha val="100000"/>
+                </a:srgbClr>
+              </a:solidFill>
+            </a:ln>
+            <a:effectLst/>
+          </c:spPr>
+          <c:invertIfNegative val="0"/>
+          <c:dLbls>
+            <c:numFmt formatCode="General" sourceLinked="0"/>
+            <c:txPr>
+              <a:bodyPr/>
+              <a:lstStyle/>
+              <a:p>
+                <a:pPr>
+                  <a:defRPr cap="none">
+                    <a:solidFill>
+                      <a:srgbClr val="000000">
+                        <a:alpha val="100000"/>
+                      </a:srgbClr>
+                    </a:solidFill>
+                    <a:latin typeface="Arial"/>
+                    <a:cs typeface="Arial"/>
+                  </a:defRPr>
+                </a:pPr>
+              </a:p>
+            </c:txPr>
+            <c:dLblPos val="ctr"/>
+            <c:showLegendKey val="0"/>
+            <c:showVal val="0"/>
+            <c:showCatName val="0"/>
+            <c:showSerName val="0"/>
+            <c:showPercent val="0"/>
+            <c:showBubbleSize val="0"/>
+            <c:separator val=", "/>
+          </c:dLbls>
+          <c:cat>
+            <c:strRef>
+              <c:f>sheet1!$A$2:$A$7</c:f>
+              <c:strCache>
+                <c:ptCount val="6"/>
+                <c:pt idx="0">
+                  <c:v>Android</c:v>
+                </c:pt>
+                <c:pt idx="1">
+                  <c:v>Chrome</c:v>
+                </c:pt>
+                <c:pt idx="2">
+                  <c:v>Firefox</c:v>
+                </c:pt>
+                <c:pt idx="3">
+                  <c:v>IE</c:v>
+                </c:pt>
+                <c:pt idx="4">
+                  <c:v>Opera</c:v>
+                </c:pt>
+                <c:pt idx="5">
+                  <c:v>Safari</c:v>
+                </c:pt>
+              </c:strCache>
+            </c:strRef>
+          </c:cat>
+          <c:val>
+            <c:numRef>
+              <c:f>sheet1!$C$2:$C$7</c:f>
+              <c:numCache>
+                <c:ptCount val="6"/>
+                <c:pt idx="0">
+                  <c:v>12</c:v>
+                </c:pt>
+                <c:pt idx="1">
+                  <c:v>7</c:v>
+                </c:pt>
+                <c:pt idx="2">
+                  <c:v>9</c:v>
+                </c:pt>
+                <c:pt idx="3">
+                  <c:v>8</c:v>
+                </c:pt>
+                <c:pt idx="4">
+                  <c:v>11</c:v>
+                </c:pt>
+                <c:pt idx="5">
+                  <c:v>10</c:v>
+                </c:pt>
+              </c:numCache>
+            </c:numRef>
+          </c:val>
+        </c:ser>
+        <c:ser>
+          <c:idx val="2"/>
+          <c:order val="2"/>
+          <c:tx>
+            <c:strRef>
+              <c:f>sheet1!$D$1</c:f>
+              <c:strCache>
+                <c:ptCount val="1"/>
+                <c:pt idx="0">
+                  <c:v>serie3</c:v>
+                </c:pt>
+              </c:strCache>
+            </c:strRef>
+          </c:tx>
+          <c:spPr>
+            <a:solidFill>
+              <a:srgbClr val="CC6677">
+                <a:alpha val="100000"/>
+              </a:srgbClr>
+            </a:solidFill>
+            <a:ln>
+              <a:solidFill>
+                <a:srgbClr val="CC6677">
+                  <a:alpha val="100000"/>
+                </a:srgbClr>
+              </a:solidFill>
+            </a:ln>
+            <a:effectLst/>
+          </c:spPr>
+          <c:invertIfNegative val="0"/>
+          <c:dLbls>
+            <c:numFmt formatCode="General" sourceLinked="0"/>
+            <c:txPr>
+              <a:bodyPr/>
+              <a:lstStyle/>
+              <a:p>
+                <a:pPr>
+                  <a:defRPr cap="none">
                     <a:solidFill>
                       <a:srgbClr val="000000">
                         <a:alpha val="100000"/>
@@ -1024,7 +2122,7 @@
                   <a:defRPr/>
                 </a:pPr>
                 <a:r>
-                  <a:rPr sz="1600" b="1">
+                  <a:rPr cap="none" sz="1600" b="1">
                     <a:solidFill>
                       <a:srgbClr val="000000">
                         <a:alpha val="100000"/>
@@ -1049,7 +2147,7 @@
           <a:lstStyle/>
           <a:p>
             <a:pPr>
-              <a:defRPr sz="1000">
+              <a:defRPr cap="none" sz="1000">
                 <a:solidFill>
                   <a:srgbClr val="000000">
                     <a:alpha val="100000"/>
@@ -1104,7 +2202,7 @@
                   <a:defRPr/>
                 </a:pPr>
                 <a:r>
-                  <a:rPr sz="1600" b="1">
+                  <a:rPr cap="none" sz="1600" b="1">
                     <a:solidFill>
                       <a:srgbClr val="000000">
                         <a:alpha val="100000"/>
@@ -1129,7 +2227,7 @@
           <a:lstStyle/>
           <a:p>
             <a:pPr>
-              <a:defRPr sz="1000">
+              <a:defRPr cap="none" sz="1000">
                 <a:solidFill>
                   <a:srgbClr val="000000">
                     <a:alpha val="100000"/>
@@ -1165,1097 +2263,7 @@
         <a:lstStyle/>
         <a:p>
           <a:pPr>
-            <a:defRPr sz="1400">
-              <a:solidFill>
-                <a:srgbClr val="000000">
-                  <a:alpha val="100000"/>
-                </a:srgbClr>
-              </a:solidFill>
-              <a:latin typeface="Arial"/>
-              <a:cs typeface="Arial"/>
-            </a:defRPr>
-          </a:pPr>
-        </a:p>
-      </c:txPr>
-    </c:legend>
-    <c:plotVisOnly val="1"/>
-    <c:dispBlanksAs val="gap"/>
-    <c:showDLblsOverMax val="0"/>
-  </c:chart>
-  <c:txPr>
-    <a:bodyPr/>
-    <a:lstStyle/>
-    <a:p>
-      <a:pPr>
-        <a:defRPr sz="1800"/>
-      </a:pPr>
-      <a:endParaRPr lang="fr-FR"/>
-    </a:p>
-  </c:txPr>
-  <c:externalData r:id="rId1">
-    <c:autoUpdate val="0"/>
-  </c:externalData>
-</c:chartSpace>
-</file>
-
-<file path=ppt/charts/chart1845c62e506.xml><?xml version="1.0" encoding="utf-8"?>
-<c:chartSpace xmlns:c="http://schemas.openxmlformats.org/drawingml/2006/chart" xmlns:a="http://schemas.openxmlformats.org/drawingml/2006/main" xmlns:r="http://schemas.openxmlformats.org/officeDocument/2006/relationships">
-  <c:date1904 val="0"/>
-  <c:lang val="fr-FR"/>
-  <c:roundedCorners val="0"/>
-  <mc:AlternateContent xmlns:mc="http://schemas.openxmlformats.org/markup-compatibility/2006">
-    <mc:Choice xmlns:c14="http://schemas.microsoft.com/office/drawing/2007/8/2/chart" Requires="c14">
-      <c14:style val="118"/>
-    </mc:Choice>
-    <mc:Fallback>
-      <c:style val="18"/>
-    </mc:Fallback>
-  </mc:AlternateContent>
-  <c:chart>
-    <c:autoTitleDeleted val="0"/>
-    <c:plotArea xmlns:c="http://schemas.openxmlformats.org/drawingml/2006/chart" xmlns:a="http://schemas.openxmlformats.org/drawingml/2006/main" xmlns:r="http://schemas.openxmlformats.org/officeDocument/2006/relationships">
-      <c:layout/>
-      <c:barChart>
-        <c:barDir val="col"/>
-        <c:grouping val="stacked"/>
-        <c:varyColors val="0"/>
-        <c:ser>
-          <c:idx val="0"/>
-          <c:order val="0"/>
-          <c:tx>
-            <c:strRef>
-              <c:f>sheet1!$B$1</c:f>
-              <c:strCache>
-                <c:ptCount val="1"/>
-                <c:pt idx="0">
-                  <c:v>serie1</c:v>
-                </c:pt>
-              </c:strCache>
-            </c:strRef>
-          </c:tx>
-          <c:spPr>
-            <a:solidFill>
-              <a:srgbClr val="4477AA">
-                <a:alpha val="100000"/>
-              </a:srgbClr>
-            </a:solidFill>
-            <a:ln>
-              <a:solidFill>
-                <a:srgbClr val="4477AA">
-                  <a:alpha val="100000"/>
-                </a:srgbClr>
-              </a:solidFill>
-            </a:ln>
-          </c:spPr>
-          <c:invertIfNegative val="0"/>
-          <c:dLbls>
-            <c:numFmt formatCode="General" sourceLinked="0"/>
-            <c:txPr>
-              <a:bodyPr/>
-              <a:lstStyle/>
-              <a:p>
-                <a:pPr>
-                  <a:defRPr>
-                    <a:solidFill>
-                      <a:srgbClr val="000000">
-                        <a:alpha val="100000"/>
-                      </a:srgbClr>
-                    </a:solidFill>
-                    <a:latin typeface="Arial"/>
-                    <a:cs typeface="Arial"/>
-                  </a:defRPr>
-                </a:pPr>
-              </a:p>
-            </c:txPr>
-            <c:dLblPos val="ctr"/>
-            <c:showLegendKey val="0"/>
-            <c:showVal val="0"/>
-            <c:showCatName val="0"/>
-            <c:showSerName val="0"/>
-            <c:showPercent val="0"/>
-            <c:showBubbleSize val="0"/>
-            <c:separator val=", "/>
-          </c:dLbls>
-          <c:cat>
-            <c:strRef>
-              <c:f>sheet1!$A$2:$A$7</c:f>
-              <c:strCache>
-                <c:ptCount val="6"/>
-                <c:pt idx="0">
-                  <c:v>Android</c:v>
-                </c:pt>
-                <c:pt idx="1">
-                  <c:v>Chrome</c:v>
-                </c:pt>
-                <c:pt idx="2">
-                  <c:v>Firefox</c:v>
-                </c:pt>
-                <c:pt idx="3">
-                  <c:v>IE</c:v>
-                </c:pt>
-                <c:pt idx="4">
-                  <c:v>Opera</c:v>
-                </c:pt>
-                <c:pt idx="5">
-                  <c:v>Safari</c:v>
-                </c:pt>
-              </c:strCache>
-            </c:strRef>
-          </c:cat>
-          <c:val>
-            <c:numRef>
-              <c:f>sheet1!$B$2:$B$7</c:f>
-              <c:numCache>
-                <c:ptCount val="6"/>
-                <c:pt idx="0">
-                  <c:v>6</c:v>
-                </c:pt>
-                <c:pt idx="1">
-                  <c:v>1</c:v>
-                </c:pt>
-                <c:pt idx="2">
-                  <c:v>3</c:v>
-                </c:pt>
-                <c:pt idx="3">
-                  <c:v>2</c:v>
-                </c:pt>
-                <c:pt idx="4">
-                  <c:v>5</c:v>
-                </c:pt>
-                <c:pt idx="5">
-                  <c:v>4</c:v>
-                </c:pt>
-              </c:numCache>
-            </c:numRef>
-          </c:val>
-        </c:ser>
-        <c:ser>
-          <c:idx val="1"/>
-          <c:order val="1"/>
-          <c:tx>
-            <c:strRef>
-              <c:f>sheet1!$C$1</c:f>
-              <c:strCache>
-                <c:ptCount val="1"/>
-                <c:pt idx="0">
-                  <c:v>serie2</c:v>
-                </c:pt>
-              </c:strCache>
-            </c:strRef>
-          </c:tx>
-          <c:spPr>
-            <a:solidFill>
-              <a:srgbClr val="DDCC77">
-                <a:alpha val="100000"/>
-              </a:srgbClr>
-            </a:solidFill>
-            <a:ln>
-              <a:solidFill>
-                <a:srgbClr val="DDCC77">
-                  <a:alpha val="100000"/>
-                </a:srgbClr>
-              </a:solidFill>
-            </a:ln>
-          </c:spPr>
-          <c:invertIfNegative val="0"/>
-          <c:dLbls>
-            <c:numFmt formatCode="General" sourceLinked="0"/>
-            <c:txPr>
-              <a:bodyPr/>
-              <a:lstStyle/>
-              <a:p>
-                <a:pPr>
-                  <a:defRPr>
-                    <a:solidFill>
-                      <a:srgbClr val="000000">
-                        <a:alpha val="100000"/>
-                      </a:srgbClr>
-                    </a:solidFill>
-                    <a:latin typeface="Arial"/>
-                    <a:cs typeface="Arial"/>
-                  </a:defRPr>
-                </a:pPr>
-              </a:p>
-            </c:txPr>
-            <c:dLblPos val="ctr"/>
-            <c:showLegendKey val="0"/>
-            <c:showVal val="0"/>
-            <c:showCatName val="0"/>
-            <c:showSerName val="0"/>
-            <c:showPercent val="0"/>
-            <c:showBubbleSize val="0"/>
-            <c:separator val=", "/>
-          </c:dLbls>
-          <c:cat>
-            <c:strRef>
-              <c:f>sheet1!$A$2:$A$7</c:f>
-              <c:strCache>
-                <c:ptCount val="6"/>
-                <c:pt idx="0">
-                  <c:v>Android</c:v>
-                </c:pt>
-                <c:pt idx="1">
-                  <c:v>Chrome</c:v>
-                </c:pt>
-                <c:pt idx="2">
-                  <c:v>Firefox</c:v>
-                </c:pt>
-                <c:pt idx="3">
-                  <c:v>IE</c:v>
-                </c:pt>
-                <c:pt idx="4">
-                  <c:v>Opera</c:v>
-                </c:pt>
-                <c:pt idx="5">
-                  <c:v>Safari</c:v>
-                </c:pt>
-              </c:strCache>
-            </c:strRef>
-          </c:cat>
-          <c:val>
-            <c:numRef>
-              <c:f>sheet1!$C$2:$C$7</c:f>
-              <c:numCache>
-                <c:ptCount val="6"/>
-                <c:pt idx="0">
-                  <c:v>12</c:v>
-                </c:pt>
-                <c:pt idx="1">
-                  <c:v>7</c:v>
-                </c:pt>
-                <c:pt idx="2">
-                  <c:v>9</c:v>
-                </c:pt>
-                <c:pt idx="3">
-                  <c:v>8</c:v>
-                </c:pt>
-                <c:pt idx="4">
-                  <c:v>11</c:v>
-                </c:pt>
-                <c:pt idx="5">
-                  <c:v>10</c:v>
-                </c:pt>
-              </c:numCache>
-            </c:numRef>
-          </c:val>
-        </c:ser>
-        <c:ser>
-          <c:idx val="2"/>
-          <c:order val="2"/>
-          <c:tx>
-            <c:strRef>
-              <c:f>sheet1!$D$1</c:f>
-              <c:strCache>
-                <c:ptCount val="1"/>
-                <c:pt idx="0">
-                  <c:v>serie3</c:v>
-                </c:pt>
-              </c:strCache>
-            </c:strRef>
-          </c:tx>
-          <c:spPr>
-            <a:solidFill>
-              <a:srgbClr val="CC6677">
-                <a:alpha val="100000"/>
-              </a:srgbClr>
-            </a:solidFill>
-            <a:ln>
-              <a:solidFill>
-                <a:srgbClr val="CC6677">
-                  <a:alpha val="100000"/>
-                </a:srgbClr>
-              </a:solidFill>
-            </a:ln>
-          </c:spPr>
-          <c:invertIfNegative val="0"/>
-          <c:dLbls>
-            <c:numFmt formatCode="General" sourceLinked="0"/>
-            <c:txPr>
-              <a:bodyPr/>
-              <a:lstStyle/>
-              <a:p>
-                <a:pPr>
-                  <a:defRPr>
-                    <a:solidFill>
-                      <a:srgbClr val="000000">
-                        <a:alpha val="100000"/>
-                      </a:srgbClr>
-                    </a:solidFill>
-                    <a:latin typeface="Arial"/>
-                    <a:cs typeface="Arial"/>
-                  </a:defRPr>
-                </a:pPr>
-              </a:p>
-            </c:txPr>
-            <c:dLblPos val="ctr"/>
-            <c:showLegendKey val="0"/>
-            <c:showVal val="0"/>
-            <c:showCatName val="0"/>
-            <c:showSerName val="0"/>
-            <c:showPercent val="0"/>
-            <c:showBubbleSize val="0"/>
-            <c:separator val=", "/>
-          </c:dLbls>
-          <c:cat>
-            <c:strRef>
-              <c:f>sheet1!$A$2:$A$7</c:f>
-              <c:strCache>
-                <c:ptCount val="6"/>
-                <c:pt idx="0">
-                  <c:v>Android</c:v>
-                </c:pt>
-                <c:pt idx="1">
-                  <c:v>Chrome</c:v>
-                </c:pt>
-                <c:pt idx="2">
-                  <c:v>Firefox</c:v>
-                </c:pt>
-                <c:pt idx="3">
-                  <c:v>IE</c:v>
-                </c:pt>
-                <c:pt idx="4">
-                  <c:v>Opera</c:v>
-                </c:pt>
-                <c:pt idx="5">
-                  <c:v>Safari</c:v>
-                </c:pt>
-              </c:strCache>
-            </c:strRef>
-          </c:cat>
-          <c:val>
-            <c:numRef>
-              <c:f>sheet1!$D$2:$D$7</c:f>
-              <c:numCache>
-                <c:ptCount val="6"/>
-                <c:pt idx="0">
-                  <c:v>18</c:v>
-                </c:pt>
-                <c:pt idx="1">
-                  <c:v>13</c:v>
-                </c:pt>
-                <c:pt idx="2">
-                  <c:v>15</c:v>
-                </c:pt>
-                <c:pt idx="3">
-                  <c:v>14</c:v>
-                </c:pt>
-                <c:pt idx="4">
-                  <c:v>17</c:v>
-                </c:pt>
-                <c:pt idx="5">
-                  <c:v>16</c:v>
-                </c:pt>
-              </c:numCache>
-            </c:numRef>
-          </c:val>
-        </c:ser>
-        <c:dLbls>
-          <c:numFmt formatCode="General" sourceLinked="0"/>
-          <c:dLblPos val="ctr"/>
-          <c:showLegendKey val="0"/>
-          <c:showVal val="0"/>
-          <c:showCatName val="0"/>
-          <c:showSerName val="0"/>
-          <c:showPercent val="0"/>
-          <c:showBubbleSize val="0"/>
-          <c:separator val=", "/>
-        </c:dLbls>
-        <c:gapWidth val="150"/>
-        <c:overlap val="100"/>
-        <c:axId val="64451712"/>
-        <c:axId val="64453248"/>
-      </c:barChart>
-      <c:catAx>
-        <c:axId val="64451712"/>
-        <c:scaling>
-          <c:orientation val="minMax"/>
-        </c:scaling>
-        <c:delete val="0"/>
-        <c:axPos val="b"/>
-        <c:majorGridlines>
-          <c:spPr>
-            <a:ln algn="ctr" w="12700">
-              <a:solidFill>
-                <a:srgbClr val="999999">
-                  <a:alpha val="60000"/>
-                </a:srgbClr>
-              </a:solidFill>
-              <a:prstDash val="sysDash"/>
-            </a:ln>
-          </c:spPr>
-        </c:majorGridlines>
-        <c:title>
-          <c:tx>
-            <c:rich>
-              <a:bodyPr rot="0" vert="horz" anchor="ctr"/>
-              <a:lstStyle/>
-              <a:p>
-                <a:pPr>
-                  <a:defRPr/>
-                </a:pPr>
-                <a:r>
-                  <a:rPr sz="1600" b="1">
-                    <a:solidFill>
-                      <a:srgbClr val="000000">
-                        <a:alpha val="100000"/>
-                      </a:srgbClr>
-                    </a:solidFill>
-                    <a:latin typeface="Arial"/>
-                    <a:cs typeface="Arial"/>
-                  </a:rPr>
-                  <a:t>browser</a:t>
-                </a:r>
-              </a:p>
-            </c:rich>
-          </c:tx>
-          <c:layout/>
-          <c:overlay val="0"/>
-        </c:title>
-        <c:majorTickMark val="cross"/>
-        <c:minorTickMark val="none"/>
-        <c:tickLblPos val="nextTo"/>
-        <c:txPr>
-          <a:bodyPr rot="0" vert="horz"/>
-          <a:lstStyle/>
-          <a:p>
-            <a:pPr>
-              <a:defRPr sz="1000">
-                <a:solidFill>
-                  <a:srgbClr val="000000">
-                    <a:alpha val="100000"/>
-                  </a:srgbClr>
-                </a:solidFill>
-                <a:latin typeface="Arial"/>
-                <a:cs typeface="Arial"/>
-              </a:defRPr>
-            </a:pPr>
-          </a:p>
-        </c:txPr>
-        <c:spPr>
-          <a:ln algn="ctr" w="12700">
-            <a:solidFill>
-              <a:srgbClr val="999999">
-                <a:alpha val="60000"/>
-              </a:srgbClr>
-            </a:solidFill>
-            <a:prstDash val="solid"/>
-          </a:ln>
-        </c:spPr>
-        <c:numFmt formatCode="General" sourceLinked="0"/>
-        <c:crossAx val="64453248"/>
-        <c:crosses val="autoZero"/>
-      </c:catAx>
-      <c:valAx>
-        <c:axId val="64453248"/>
-        <c:scaling>
-          <c:orientation val="minMax"/>
-        </c:scaling>
-        <c:delete val="0"/>
-        <c:axPos val="l"/>
-        <c:majorGridlines>
-          <c:spPr>
-            <a:ln algn="ctr" w="12700">
-              <a:solidFill>
-                <a:srgbClr val="999999">
-                  <a:alpha val="60000"/>
-                </a:srgbClr>
-              </a:solidFill>
-              <a:prstDash val="sysDash"/>
-            </a:ln>
-          </c:spPr>
-        </c:majorGridlines>
-        <c:title>
-          <c:tx>
-            <c:rich>
-              <a:bodyPr rot="16200000" vert="horz" anchor="ctr"/>
-              <a:lstStyle/>
-              <a:p>
-                <a:pPr>
-                  <a:defRPr/>
-                </a:pPr>
-                <a:r>
-                  <a:rPr sz="1600" b="1">
-                    <a:solidFill>
-                      <a:srgbClr val="000000">
-                        <a:alpha val="100000"/>
-                      </a:srgbClr>
-                    </a:solidFill>
-                    <a:latin typeface="Arial"/>
-                    <a:cs typeface="Arial"/>
-                  </a:rPr>
-                  <a:t>value</a:t>
-                </a:r>
-              </a:p>
-            </c:rich>
-          </c:tx>
-          <c:layout/>
-          <c:overlay val="0"/>
-        </c:title>
-        <c:majorTickMark val="cross"/>
-        <c:minorTickMark val="none"/>
-        <c:tickLblPos val="nextTo"/>
-        <c:txPr>
-          <a:bodyPr rot="0" vert="horz"/>
-          <a:lstStyle/>
-          <a:p>
-            <a:pPr>
-              <a:defRPr sz="1000">
-                <a:solidFill>
-                  <a:srgbClr val="000000">
-                    <a:alpha val="100000"/>
-                  </a:srgbClr>
-                </a:solidFill>
-                <a:latin typeface="Arial"/>
-                <a:cs typeface="Arial"/>
-              </a:defRPr>
-            </a:pPr>
-          </a:p>
-        </c:txPr>
-        <c:spPr>
-          <a:ln algn="ctr" w="12700">
-            <a:solidFill>
-              <a:srgbClr val="999999">
-                <a:alpha val="60000"/>
-              </a:srgbClr>
-            </a:solidFill>
-            <a:prstDash val="solid"/>
-          </a:ln>
-        </c:spPr>
-        <c:numFmt formatCode="General" sourceLinked="0"/>
-        <c:crossAx val="64451712"/>
-        <c:crosses val="autoZero"/>
-      </c:valAx>
-    </c:plotArea>
-    <c:legend>
-      <c:legendPos val="b"/>
-      <c:layout/>
-      <c:overlay val="0"/>
-      <c:txPr xmlns:c="http://schemas.openxmlformats.org/drawingml/2006/chart" xmlns:a="http://schemas.openxmlformats.org/drawingml/2006/main">
-        <a:bodyPr/>
-        <a:lstStyle/>
-        <a:p>
-          <a:pPr>
-            <a:defRPr sz="1400">
-              <a:solidFill>
-                <a:srgbClr val="000000">
-                  <a:alpha val="100000"/>
-                </a:srgbClr>
-              </a:solidFill>
-              <a:latin typeface="Arial"/>
-              <a:cs typeface="Arial"/>
-            </a:defRPr>
-          </a:pPr>
-        </a:p>
-      </c:txPr>
-    </c:legend>
-    <c:plotVisOnly val="1"/>
-    <c:dispBlanksAs val="gap"/>
-    <c:showDLblsOverMax val="0"/>
-  </c:chart>
-  <c:txPr>
-    <a:bodyPr/>
-    <a:lstStyle/>
-    <a:p>
-      <a:pPr>
-        <a:defRPr sz="1800"/>
-      </a:pPr>
-      <a:endParaRPr lang="fr-FR"/>
-    </a:p>
-  </c:txPr>
-  <c:externalData r:id="rId1">
-    <c:autoUpdate val="0"/>
-  </c:externalData>
-</c:chartSpace>
-</file>
-
-<file path=ppt/charts/chart1845fb29702.xml><?xml version="1.0" encoding="utf-8"?>
-<c:chartSpace xmlns:c="http://schemas.openxmlformats.org/drawingml/2006/chart" xmlns:a="http://schemas.openxmlformats.org/drawingml/2006/main" xmlns:r="http://schemas.openxmlformats.org/officeDocument/2006/relationships">
-  <c:date1904 val="0"/>
-  <c:lang val="fr-FR"/>
-  <c:roundedCorners val="0"/>
-  <mc:AlternateContent xmlns:mc="http://schemas.openxmlformats.org/markup-compatibility/2006">
-    <mc:Choice xmlns:c14="http://schemas.microsoft.com/office/drawing/2007/8/2/chart" Requires="c14">
-      <c14:style val="118"/>
-    </mc:Choice>
-    <mc:Fallback>
-      <c:style val="18"/>
-    </mc:Fallback>
-  </mc:AlternateContent>
-  <c:chart>
-    <c:autoTitleDeleted val="0"/>
-    <c:plotArea xmlns:c="http://schemas.openxmlformats.org/drawingml/2006/chart" xmlns:a="http://schemas.openxmlformats.org/drawingml/2006/main" xmlns:r="http://schemas.openxmlformats.org/officeDocument/2006/relationships">
-      <c:layout/>
-      <c:scatterChart>
-        <c:scatterStyle val="lineMarker"/>
-        <c:varyColors val="0"/>
-        <c:ser>
-          <c:idx val="0"/>
-          <c:order val="0"/>
-          <c:tx>
-            <c:strRef>
-              <c:f>sheet1!$B$1</c:f>
-              <c:strCache>
-                <c:ptCount val="1"/>
-                <c:pt idx="0">
-                  <c:v>drat</c:v>
-                </c:pt>
-              </c:strCache>
-            </c:strRef>
-          </c:tx>
-          <c:spPr>
-            <a:ln algn="ctr" w="25400">
-              <a:solidFill>
-                <a:srgbClr val="4477AA">
-                  <a:alpha val="100000"/>
-                </a:srgbClr>
-              </a:solidFill>
-              <a:prstDash val="solid"/>
-            </a:ln>
-          </c:spPr>
-          <c:marker>
-            <c:symbol val="circle"/>
-            <c:size val="12"/>
-            <c:spPr>
-              <a:solidFill>
-                <a:srgbClr val="4477AA">
-                  <a:alpha val="100000"/>
-                </a:srgbClr>
-              </a:solidFill>
-              <a:ln>
-                <a:solidFill>
-                  <a:srgbClr val="4477AA">
-                    <a:alpha val="100000"/>
-                  </a:srgbClr>
-                </a:solidFill>
-              </a:ln>
-            </c:spPr>
-          </c:marker>
-          <c:dLbls>
-            <c:numFmt formatCode="General" sourceLinked="0"/>
-            <c:txPr>
-              <a:bodyPr/>
-              <a:lstStyle/>
-              <a:p>
-                <a:pPr>
-                  <a:defRPr>
-                    <a:solidFill>
-                      <a:srgbClr val="000000">
-                        <a:alpha val="100000"/>
-                      </a:srgbClr>
-                    </a:solidFill>
-                    <a:latin typeface="Arial"/>
-                    <a:cs typeface="Arial"/>
-                  </a:defRPr>
-                </a:pPr>
-              </a:p>
-            </c:txPr>
-            <c:dLblPos val="ctr"/>
-            <c:showLegendKey val="0"/>
-            <c:showVal val="0"/>
-            <c:showCatName val="0"/>
-            <c:showSerName val="0"/>
-            <c:showPercent val="0"/>
-            <c:showBubbleSize val="0"/>
-            <c:separator val=", "/>
-          </c:dLbls>
-          <c:xVal>
-            <c:numRef>
-              <c:f>sheet1!$A$2:$A$33</c:f>
-              <c:numCache>
-                <c:ptCount val="32"/>
-                <c:pt idx="0">
-                  <c:v>71.1</c:v>
-                </c:pt>
-                <c:pt idx="1">
-                  <c:v>75.7</c:v>
-                </c:pt>
-                <c:pt idx="2">
-                  <c:v>78.7</c:v>
-                </c:pt>
-                <c:pt idx="3">
-                  <c:v>79</c:v>
-                </c:pt>
-                <c:pt idx="4">
-                  <c:v>95.1</c:v>
-                </c:pt>
-                <c:pt idx="5">
-                  <c:v>108</c:v>
-                </c:pt>
-                <c:pt idx="6">
-                  <c:v>120.1</c:v>
-                </c:pt>
-                <c:pt idx="7">
-                  <c:v>120.3</c:v>
-                </c:pt>
-                <c:pt idx="8">
-                  <c:v>121</c:v>
-                </c:pt>
-                <c:pt idx="9">
-                  <c:v>140.8</c:v>
-                </c:pt>
-                <c:pt idx="10">
-                  <c:v>145</c:v>
-                </c:pt>
-                <c:pt idx="11">
-                  <c:v>146.7</c:v>
-                </c:pt>
-                <c:pt idx="12">
-                  <c:v>160</c:v>
-                </c:pt>
-                <c:pt idx="13">
-                  <c:v>160</c:v>
-                </c:pt>
-                <c:pt idx="14">
-                  <c:v>167.6</c:v>
-                </c:pt>
-                <c:pt idx="15">
-                  <c:v>167.6</c:v>
-                </c:pt>
-                <c:pt idx="16">
-                  <c:v>225</c:v>
-                </c:pt>
-                <c:pt idx="17">
-                  <c:v>258</c:v>
-                </c:pt>
-                <c:pt idx="18">
-                  <c:v>275.8</c:v>
-                </c:pt>
-                <c:pt idx="19">
-                  <c:v>275.8</c:v>
-                </c:pt>
-                <c:pt idx="20">
-                  <c:v>275.8</c:v>
-                </c:pt>
-                <c:pt idx="21">
-                  <c:v>301</c:v>
-                </c:pt>
-                <c:pt idx="22">
-                  <c:v>304</c:v>
-                </c:pt>
-                <c:pt idx="23">
-                  <c:v>318</c:v>
-                </c:pt>
-                <c:pt idx="24">
-                  <c:v>350</c:v>
-                </c:pt>
-                <c:pt idx="25">
-                  <c:v>351</c:v>
-                </c:pt>
-                <c:pt idx="26">
-                  <c:v>360</c:v>
-                </c:pt>
-                <c:pt idx="27">
-                  <c:v>360</c:v>
-                </c:pt>
-                <c:pt idx="28">
-                  <c:v>400</c:v>
-                </c:pt>
-                <c:pt idx="29">
-                  <c:v>440</c:v>
-                </c:pt>
-                <c:pt idx="30">
-                  <c:v>460</c:v>
-                </c:pt>
-                <c:pt idx="31">
-                  <c:v>472</c:v>
-                </c:pt>
-              </c:numCache>
-            </c:numRef>
-          </c:xVal>
-          <c:yVal>
-            <c:numRef>
-              <c:f>sheet1!$B$2:$B$33</c:f>
-              <c:numCache>
-                <c:ptCount val="32"/>
-                <c:pt idx="0">
-                  <c:v>4.22</c:v>
-                </c:pt>
-                <c:pt idx="1">
-                  <c:v>4.93</c:v>
-                </c:pt>
-                <c:pt idx="2">
-                  <c:v>4.08</c:v>
-                </c:pt>
-                <c:pt idx="3">
-                  <c:v>4.08</c:v>
-                </c:pt>
-                <c:pt idx="4">
-                  <c:v>3.77</c:v>
-                </c:pt>
-                <c:pt idx="5">
-                  <c:v>3.85</c:v>
-                </c:pt>
-                <c:pt idx="6">
-                  <c:v>3.7</c:v>
-                </c:pt>
-                <c:pt idx="7">
-                  <c:v>4.43</c:v>
-                </c:pt>
-                <c:pt idx="8">
-                  <c:v>4.11</c:v>
-                </c:pt>
-                <c:pt idx="9">
-                  <c:v>3.92</c:v>
-                </c:pt>
-                <c:pt idx="10">
-                  <c:v>3.62</c:v>
-                </c:pt>
-                <c:pt idx="11">
-                  <c:v>3.69</c:v>
-                </c:pt>
-                <c:pt idx="12">
-                  <c:v>3.9</c:v>
-                </c:pt>
-                <c:pt idx="13">
-                  <c:v>3.9</c:v>
-                </c:pt>
-                <c:pt idx="14">
-                  <c:v>3.92</c:v>
-                </c:pt>
-                <c:pt idx="15">
-                  <c:v>3.92</c:v>
-                </c:pt>
-                <c:pt idx="16">
-                  <c:v>2.76</c:v>
-                </c:pt>
-                <c:pt idx="17">
-                  <c:v>3.08</c:v>
-                </c:pt>
-                <c:pt idx="18">
-                  <c:v>3.07</c:v>
-                </c:pt>
-                <c:pt idx="19">
-                  <c:v>3.07</c:v>
-                </c:pt>
-                <c:pt idx="20">
-                  <c:v>3.07</c:v>
-                </c:pt>
-                <c:pt idx="21">
-                  <c:v>3.54</c:v>
-                </c:pt>
-                <c:pt idx="22">
-                  <c:v>3.15</c:v>
-                </c:pt>
-                <c:pt idx="23">
-                  <c:v>2.76</c:v>
-                </c:pt>
-                <c:pt idx="24">
-                  <c:v>3.73</c:v>
-                </c:pt>
-                <c:pt idx="25">
-                  <c:v>4.22</c:v>
-                </c:pt>
-                <c:pt idx="26">
-                  <c:v>3.15</c:v>
-                </c:pt>
-                <c:pt idx="27">
-                  <c:v>3.21</c:v>
-                </c:pt>
-                <c:pt idx="28">
-                  <c:v>3.08</c:v>
-                </c:pt>
-                <c:pt idx="29">
-                  <c:v>3.23</c:v>
-                </c:pt>
-                <c:pt idx="30">
-                  <c:v>3</c:v>
-                </c:pt>
-                <c:pt idx="31">
-                  <c:v>2.93</c:v>
-                </c:pt>
-              </c:numCache>
-            </c:numRef>
-          </c:yVal>
-        </c:ser>
-        <c:dLbls>
-          <c:numFmt formatCode="General" sourceLinked="0"/>
-          <c:dLblPos val="ctr"/>
-          <c:showLegendKey val="0"/>
-          <c:showVal val="0"/>
-          <c:showCatName val="0"/>
-          <c:showSerName val="0"/>
-          <c:showPercent val="0"/>
-          <c:showBubbleSize val="0"/>
-          <c:separator val=", "/>
-        </c:dLbls>
-        <c:axId val="64451712"/>
-        <c:axId val="64453248"/>
-      </c:scatterChart>
-      <c:valAx>
-        <c:axId val="64451712"/>
-        <c:scaling>
-          <c:orientation val="minMax"/>
-          <c:max val="500.00"/>
-          <c:min val="0.00"/>
-        </c:scaling>
-        <c:delete val="0"/>
-        <c:axPos val="l"/>
-        <c:majorGridlines>
-          <c:spPr>
-            <a:ln algn="ctr" w="12700">
-              <a:solidFill>
-                <a:srgbClr val="999999">
-                  <a:alpha val="60000"/>
-                </a:srgbClr>
-              </a:solidFill>
-              <a:prstDash val="sysDash"/>
-            </a:ln>
-          </c:spPr>
-        </c:majorGridlines>
-        <c:title>
-          <c:tx>
-            <c:rich>
-              <a:bodyPr rot="0" vert="horz" anchor="ctr"/>
-              <a:lstStyle/>
-              <a:p>
-                <a:pPr>
-                  <a:defRPr/>
-                </a:pPr>
-                <a:r>
-                  <a:rPr sz="1600" b="1">
-                    <a:solidFill>
-                      <a:srgbClr val="000000">
-                        <a:alpha val="100000"/>
-                      </a:srgbClr>
-                    </a:solidFill>
-                    <a:latin typeface="Arial"/>
-                    <a:cs typeface="Arial"/>
-                  </a:rPr>
-                  <a:t>disp</a:t>
-                </a:r>
-              </a:p>
-            </c:rich>
-          </c:tx>
-          <c:layout/>
-          <c:overlay val="0"/>
-        </c:title>
-        <c:majorTickMark val="cross"/>
-        <c:minorTickMark val="none"/>
-        <c:tickLblPos val="nextTo"/>
-        <c:txPr>
-          <a:bodyPr rot="0" vert="horz"/>
-          <a:lstStyle/>
-          <a:p>
-            <a:pPr>
-              <a:defRPr sz="1000">
-                <a:solidFill>
-                  <a:srgbClr val="000000">
-                    <a:alpha val="100000"/>
-                  </a:srgbClr>
-                </a:solidFill>
-                <a:latin typeface="Arial"/>
-                <a:cs typeface="Arial"/>
-              </a:defRPr>
-            </a:pPr>
-          </a:p>
-        </c:txPr>
-        <c:spPr>
-          <a:ln algn="ctr" w="12700">
-            <a:solidFill>
-              <a:srgbClr val="999999">
-                <a:alpha val="60000"/>
-              </a:srgbClr>
-            </a:solidFill>
-            <a:prstDash val="solid"/>
-          </a:ln>
-        </c:spPr>
-        <c:numFmt formatCode="General" sourceLinked="0"/>
-        <c:crossAx val="64453248"/>
-        <c:crosses val="autoZero"/>
-      </c:valAx>
-      <c:valAx>
-        <c:axId val="64453248"/>
-        <c:scaling>
-          <c:orientation val="minMax"/>
-          <c:max val="5.00"/>
-          <c:min val="2.50"/>
-        </c:scaling>
-        <c:delete val="0"/>
-        <c:axPos val="l"/>
-        <c:majorGridlines>
-          <c:spPr>
-            <a:ln algn="ctr" w="12700">
-              <a:solidFill>
-                <a:srgbClr val="999999">
-                  <a:alpha val="60000"/>
-                </a:srgbClr>
-              </a:solidFill>
-              <a:prstDash val="sysDash"/>
-            </a:ln>
-          </c:spPr>
-        </c:majorGridlines>
-        <c:title>
-          <c:tx>
-            <c:rich>
-              <a:bodyPr rot="16200000" vert="horz" anchor="ctr"/>
-              <a:lstStyle/>
-              <a:p>
-                <a:pPr>
-                  <a:defRPr/>
-                </a:pPr>
-                <a:r>
-                  <a:rPr sz="1600" b="1">
-                    <a:solidFill>
-                      <a:srgbClr val="000000">
-                        <a:alpha val="100000"/>
-                      </a:srgbClr>
-                    </a:solidFill>
-                    <a:latin typeface="Arial"/>
-                    <a:cs typeface="Arial"/>
-                  </a:rPr>
-                  <a:t>drat</a:t>
-                </a:r>
-              </a:p>
-            </c:rich>
-          </c:tx>
-          <c:layout/>
-          <c:overlay val="0"/>
-        </c:title>
-        <c:majorTickMark val="cross"/>
-        <c:minorTickMark val="none"/>
-        <c:tickLblPos val="nextTo"/>
-        <c:txPr>
-          <a:bodyPr rot="0" vert="horz"/>
-          <a:lstStyle/>
-          <a:p>
-            <a:pPr>
-              <a:defRPr sz="1000">
-                <a:solidFill>
-                  <a:srgbClr val="000000">
-                    <a:alpha val="100000"/>
-                  </a:srgbClr>
-                </a:solidFill>
-                <a:latin typeface="Arial"/>
-                <a:cs typeface="Arial"/>
-              </a:defRPr>
-            </a:pPr>
-          </a:p>
-        </c:txPr>
-        <c:spPr>
-          <a:ln algn="ctr" w="12700">
-            <a:solidFill>
-              <a:srgbClr val="999999">
-                <a:alpha val="60000"/>
-              </a:srgbClr>
-            </a:solidFill>
-            <a:prstDash val="solid"/>
-          </a:ln>
-        </c:spPr>
-        <c:numFmt formatCode="General" sourceLinked="0"/>
-        <c:crossAx val="64451712"/>
-        <c:crosses val="autoZero"/>
-      </c:valAx>
-    </c:plotArea>
-    <c:legend>
-      <c:legendPos val="b"/>
-      <c:layout/>
-      <c:overlay val="0"/>
-      <c:txPr xmlns:c="http://schemas.openxmlformats.org/drawingml/2006/chart" xmlns:a="http://schemas.openxmlformats.org/drawingml/2006/main">
-        <a:bodyPr/>
-        <a:lstStyle/>
-        <a:p>
-          <a:pPr>
-            <a:defRPr sz="1400">
+            <a:defRPr cap="none" sz="1400">
               <a:solidFill>
                 <a:srgbClr val="000000">
                   <a:alpha val="100000"/>
